--- a/06_Joshua_Smith/Documents/CAPER April 4 5 2016.pptx
+++ b/06_Joshua_Smith/Documents/CAPER April 4 5 2016.pptx
@@ -5,7 +5,7 @@
     <p:sldMasterId id="2147483648" r:id="rId1"/>
   </p:sldMasterIdLst>
   <p:notesMasterIdLst>
-    <p:notesMasterId r:id="rId12"/>
+    <p:notesMasterId r:id="rId14"/>
   </p:notesMasterIdLst>
   <p:sldIdLst>
     <p:sldId id="451" r:id="rId2"/>
@@ -18,6 +18,8 @@
     <p:sldId id="460" r:id="rId9"/>
     <p:sldId id="462" r:id="rId10"/>
     <p:sldId id="463" r:id="rId11"/>
+    <p:sldId id="464" r:id="rId12"/>
+    <p:sldId id="465" r:id="rId13"/>
   </p:sldIdLst>
   <p:sldSz cx="9144000" cy="5143500" type="screen16x9"/>
   <p:notesSz cx="7010400" cy="9296400"/>
@@ -131,6 +133,8 @@
             <p14:sldId id="460"/>
             <p14:sldId id="462"/>
             <p14:sldId id="463"/>
+            <p14:sldId id="464"/>
+            <p14:sldId id="465"/>
           </p14:sldIdLst>
         </p14:section>
       </p14:sectionLst>
@@ -5900,6 +5904,225 @@
 </p:sld>
 </file>
 
+<file path=ppt/slides/slide11.xml><?xml version="1.0" encoding="utf-8"?>
+<p:sld xmlns:a="http://schemas.openxmlformats.org/drawingml/2006/main" xmlns:r="http://schemas.openxmlformats.org/officeDocument/2006/relationships" xmlns:p="http://schemas.openxmlformats.org/presentationml/2006/main">
+  <p:cSld>
+    <p:spTree>
+      <p:nvGrpSpPr>
+        <p:cNvPr id="1" name=""/>
+        <p:cNvGrpSpPr/>
+        <p:nvPr/>
+      </p:nvGrpSpPr>
+      <p:grpSpPr>
+        <a:xfrm>
+          <a:off x="0" y="0"/>
+          <a:ext cx="0" cy="0"/>
+          <a:chOff x="0" y="0"/>
+          <a:chExt cx="0" cy="0"/>
+        </a:xfrm>
+      </p:grpSpPr>
+      <p:sp>
+        <p:nvSpPr>
+          <p:cNvPr id="2" name="Title 1"/>
+          <p:cNvSpPr>
+            <a:spLocks noGrp="1"/>
+          </p:cNvSpPr>
+          <p:nvPr>
+            <p:ph type="title"/>
+          </p:nvPr>
+        </p:nvSpPr>
+        <p:spPr/>
+        <p:txBody>
+          <a:bodyPr/>
+          <a:lstStyle/>
+          <a:p>
+            <a:r>
+              <a:rPr lang="en-US" dirty="0" smtClean="0"/>
+              <a:t> 1 Week QSTS</a:t>
+            </a:r>
+            <a:endParaRPr lang="en-US" dirty="0"/>
+          </a:p>
+        </p:txBody>
+      </p:sp>
+      <p:sp>
+        <p:nvSpPr>
+          <p:cNvPr id="3" name="Text Placeholder 2"/>
+          <p:cNvSpPr>
+            <a:spLocks noGrp="1"/>
+          </p:cNvSpPr>
+          <p:nvPr>
+            <p:ph type="body" idx="1"/>
+          </p:nvPr>
+        </p:nvSpPr>
+        <p:spPr/>
+        <p:txBody>
+          <a:bodyPr/>
+          <a:lstStyle/>
+          <a:p>
+            <a:r>
+              <a:rPr lang="en-US" dirty="0" smtClean="0"/>
+              <a:t>kW vs. Time</a:t>
+            </a:r>
+            <a:endParaRPr lang="en-US" dirty="0"/>
+          </a:p>
+        </p:txBody>
+      </p:sp>
+      <p:sp>
+        <p:nvSpPr>
+          <p:cNvPr id="4" name="Content Placeholder 3"/>
+          <p:cNvSpPr>
+            <a:spLocks noGrp="1"/>
+          </p:cNvSpPr>
+          <p:nvPr>
+            <p:ph sz="half" idx="2"/>
+          </p:nvPr>
+        </p:nvSpPr>
+        <p:spPr/>
+        <p:txBody>
+          <a:bodyPr/>
+          <a:lstStyle/>
+          <a:p>
+            <a:endParaRPr lang="en-US"/>
+          </a:p>
+        </p:txBody>
+      </p:sp>
+      <p:sp>
+        <p:nvSpPr>
+          <p:cNvPr id="5" name="Text Placeholder 4"/>
+          <p:cNvSpPr>
+            <a:spLocks noGrp="1"/>
+          </p:cNvSpPr>
+          <p:nvPr>
+            <p:ph type="body" sz="quarter" idx="3"/>
+          </p:nvPr>
+        </p:nvSpPr>
+        <p:spPr/>
+        <p:txBody>
+          <a:bodyPr/>
+          <a:lstStyle/>
+          <a:p>
+            <a:r>
+              <a:rPr lang="en-US" dirty="0" smtClean="0"/>
+              <a:t>Voltage vs. Time</a:t>
+            </a:r>
+            <a:endParaRPr lang="en-US" dirty="0"/>
+          </a:p>
+        </p:txBody>
+      </p:sp>
+      <p:sp>
+        <p:nvSpPr>
+          <p:cNvPr id="6" name="Content Placeholder 5"/>
+          <p:cNvSpPr>
+            <a:spLocks noGrp="1"/>
+          </p:cNvSpPr>
+          <p:nvPr>
+            <p:ph sz="quarter" idx="4"/>
+          </p:nvPr>
+        </p:nvSpPr>
+        <p:spPr/>
+        <p:txBody>
+          <a:bodyPr/>
+          <a:lstStyle/>
+          <a:p>
+            <a:endParaRPr lang="en-US"/>
+          </a:p>
+        </p:txBody>
+      </p:sp>
+    </p:spTree>
+    <p:extLst>
+      <p:ext uri="{BB962C8B-B14F-4D97-AF65-F5344CB8AC3E}">
+        <p14:creationId xmlns:p14="http://schemas.microsoft.com/office/powerpoint/2010/main" val="1361069567"/>
+      </p:ext>
+    </p:extLst>
+  </p:cSld>
+  <p:clrMapOvr>
+    <a:masterClrMapping/>
+  </p:clrMapOvr>
+</p:sld>
+</file>
+
+<file path=ppt/slides/slide12.xml><?xml version="1.0" encoding="utf-8"?>
+<p:sld xmlns:a="http://schemas.openxmlformats.org/drawingml/2006/main" xmlns:r="http://schemas.openxmlformats.org/officeDocument/2006/relationships" xmlns:p="http://schemas.openxmlformats.org/presentationml/2006/main">
+  <p:cSld>
+    <p:spTree>
+      <p:nvGrpSpPr>
+        <p:cNvPr id="1" name=""/>
+        <p:cNvGrpSpPr/>
+        <p:nvPr/>
+      </p:nvGrpSpPr>
+      <p:grpSpPr>
+        <a:xfrm>
+          <a:off x="0" y="0"/>
+          <a:ext cx="0" cy="0"/>
+          <a:chOff x="0" y="0"/>
+          <a:chExt cx="0" cy="0"/>
+        </a:xfrm>
+      </p:grpSpPr>
+      <p:sp>
+        <p:nvSpPr>
+          <p:cNvPr id="7" name="Title 6"/>
+          <p:cNvSpPr>
+            <a:spLocks noGrp="1"/>
+          </p:cNvSpPr>
+          <p:nvPr>
+            <p:ph type="title"/>
+          </p:nvPr>
+        </p:nvSpPr>
+        <p:spPr/>
+        <p:txBody>
+          <a:bodyPr/>
+          <a:lstStyle/>
+          <a:p>
+            <a:r>
+              <a:rPr lang="en-US" dirty="0" smtClean="0"/>
+              <a:t>Benefits &amp; Future Work</a:t>
+            </a:r>
+            <a:endParaRPr lang="en-US" dirty="0"/>
+          </a:p>
+        </p:txBody>
+      </p:sp>
+      <p:sp>
+        <p:nvSpPr>
+          <p:cNvPr id="8" name="Content Placeholder 7"/>
+          <p:cNvSpPr>
+            <a:spLocks noGrp="1"/>
+          </p:cNvSpPr>
+          <p:nvPr>
+            <p:ph idx="1"/>
+          </p:nvPr>
+        </p:nvSpPr>
+        <p:spPr/>
+        <p:txBody>
+          <a:bodyPr/>
+          <a:lstStyle/>
+          <a:p>
+            <a:r>
+              <a:rPr lang="en-US" dirty="0" smtClean="0"/>
+              <a:t>After model completion, we will begin to compare the runtime of the simplified and detailed model</a:t>
+            </a:r>
+          </a:p>
+          <a:p>
+            <a:r>
+              <a:rPr lang="en-US" dirty="0" smtClean="0"/>
+              <a:t>We will use the simplified model to investigate MATLAB control of SVRs</a:t>
+            </a:r>
+            <a:endParaRPr lang="en-US" dirty="0"/>
+          </a:p>
+        </p:txBody>
+      </p:sp>
+    </p:spTree>
+    <p:extLst>
+      <p:ext uri="{BB962C8B-B14F-4D97-AF65-F5344CB8AC3E}">
+        <p14:creationId xmlns:p14="http://schemas.microsoft.com/office/powerpoint/2010/main" val="4060555807"/>
+      </p:ext>
+    </p:extLst>
+  </p:cSld>
+  <p:clrMapOvr>
+    <a:masterClrMapping/>
+  </p:clrMapOvr>
+</p:sld>
+</file>
+
 <file path=ppt/slides/slide2.xml><?xml version="1.0" encoding="utf-8"?>
 <p:sld xmlns:a="http://schemas.openxmlformats.org/drawingml/2006/main" xmlns:r="http://schemas.openxmlformats.org/officeDocument/2006/relationships" xmlns:p="http://schemas.openxmlformats.org/presentationml/2006/main">
   <p:cSld>
@@ -7391,7 +7614,7 @@
             <p:ph sz="half" idx="2"/>
             <p:extLst>
               <p:ext uri="{D42A27DB-BD31-4B8C-83A1-F6EECF244321}">
-                <p14:modId xmlns:p14="http://schemas.microsoft.com/office/powerpoint/2010/main" val="1899010893"/>
+                <p14:modId xmlns:p14="http://schemas.microsoft.com/office/powerpoint/2010/main" val="3096265812"/>
               </p:ext>
             </p:extLst>
           </p:nvPr>
@@ -7407,24 +7630,31 @@
                 <a:tableStyleId>{5C22544A-7EE6-4342-B048-85BDC9FD1C3A}</a:tableStyleId>
               </a:tblPr>
               <a:tblGrid>
-                <a:gridCol w="1346729">
+                <a:gridCol w="762000">
                   <a:extLst>
                     <a:ext uri="{9D8B030D-6E8A-4147-A177-3AD203B41FA5}">
                       <a16:colId xmlns:a16="http://schemas.microsoft.com/office/drawing/2014/main" val="152555019"/>
                     </a:ext>
                   </a:extLst>
                 </a:gridCol>
-                <a:gridCol w="1346729">
+                <a:gridCol w="1092729">
                   <a:extLst>
                     <a:ext uri="{9D8B030D-6E8A-4147-A177-3AD203B41FA5}">
                       <a16:colId xmlns:a16="http://schemas.microsoft.com/office/drawing/2014/main" val="1749364927"/>
                     </a:ext>
                   </a:extLst>
                 </a:gridCol>
-                <a:gridCol w="1346729">
+                <a:gridCol w="1092729">
                   <a:extLst>
                     <a:ext uri="{9D8B030D-6E8A-4147-A177-3AD203B41FA5}">
                       <a16:colId xmlns:a16="http://schemas.microsoft.com/office/drawing/2014/main" val="1795029298"/>
+                    </a:ext>
+                  </a:extLst>
+                </a:gridCol>
+                <a:gridCol w="1092729">
+                  <a:extLst>
+                    <a:ext uri="{9D8B030D-6E8A-4147-A177-3AD203B41FA5}">
+                      <a16:colId xmlns:a16="http://schemas.microsoft.com/office/drawing/2014/main" val="1707841233"/>
                     </a:ext>
                   </a:extLst>
                 </a:gridCol>
@@ -7446,10 +7676,10 @@
                     <a:lstStyle/>
                     <a:p>
                       <a:r>
-                        <a:rPr lang="en-US" dirty="0" smtClean="0"/>
+                        <a:rPr lang="en-US" sz="1600" dirty="0" smtClean="0"/>
                         <a:t>Detailed</a:t>
                       </a:r>
-                      <a:endParaRPr lang="en-US" dirty="0"/>
+                      <a:endParaRPr lang="en-US" sz="1600" dirty="0"/>
                     </a:p>
                   </a:txBody>
                   <a:tcPr/>
@@ -7460,10 +7690,24 @@
                     <a:lstStyle/>
                     <a:p>
                       <a:r>
-                        <a:rPr lang="en-US" dirty="0" smtClean="0"/>
+                        <a:rPr lang="en-US" sz="1600" dirty="0" smtClean="0"/>
                         <a:t>Simplified</a:t>
                       </a:r>
-                      <a:endParaRPr lang="en-US" dirty="0"/>
+                      <a:endParaRPr lang="en-US" sz="1600" dirty="0"/>
+                    </a:p>
+                  </a:txBody>
+                  <a:tcPr/>
+                </a:tc>
+                <a:tc>
+                  <a:txBody>
+                    <a:bodyPr/>
+                    <a:lstStyle/>
+                    <a:p>
+                      <a:r>
+                        <a:rPr lang="en-US" sz="1600" dirty="0" smtClean="0"/>
+                        <a:t>Reduction</a:t>
+                      </a:r>
+                      <a:endParaRPr lang="en-US" sz="1600" dirty="0"/>
                     </a:p>
                   </a:txBody>
                   <a:tcPr/>
@@ -7517,6 +7761,20 @@
                   </a:txBody>
                   <a:tcPr/>
                 </a:tc>
+                <a:tc>
+                  <a:txBody>
+                    <a:bodyPr/>
+                    <a:lstStyle/>
+                    <a:p>
+                      <a:r>
+                        <a:rPr lang="en-US" dirty="0" smtClean="0"/>
+                        <a:t>96.9%</a:t>
+                      </a:r>
+                      <a:endParaRPr lang="en-US" dirty="0"/>
+                    </a:p>
+                  </a:txBody>
+                  <a:tcPr/>
+                </a:tc>
                 <a:extLst>
                   <a:ext uri="{0D108BD9-81ED-4DB2-BD59-A6C34878D82A}">
                     <a16:rowId xmlns:a16="http://schemas.microsoft.com/office/drawing/2014/main" val="4023120333"/>
@@ -7560,6 +7818,20 @@
                       <a:r>
                         <a:rPr lang="en-US" dirty="0" smtClean="0"/>
                         <a:t>78</a:t>
+                      </a:r>
+                      <a:endParaRPr lang="en-US" dirty="0"/>
+                    </a:p>
+                  </a:txBody>
+                  <a:tcPr/>
+                </a:tc>
+                <a:tc>
+                  <a:txBody>
+                    <a:bodyPr/>
+                    <a:lstStyle/>
+                    <a:p>
+                      <a:r>
+                        <a:rPr lang="en-US" smtClean="0"/>
+                        <a:t>92.6%</a:t>
                       </a:r>
                       <a:endParaRPr lang="en-US" dirty="0"/>
                     </a:p>

--- a/06_Joshua_Smith/Documents/CAPER April 4 5 2016.pptx
+++ b/06_Joshua_Smith/Documents/CAPER April 4 5 2016.pptx
@@ -11,13 +11,13 @@
     <p:sldId id="451" r:id="rId2"/>
     <p:sldId id="456" r:id="rId3"/>
     <p:sldId id="457" r:id="rId4"/>
-    <p:sldId id="458" r:id="rId5"/>
-    <p:sldId id="419" r:id="rId6"/>
-    <p:sldId id="459" r:id="rId7"/>
-    <p:sldId id="461" r:id="rId8"/>
-    <p:sldId id="460" r:id="rId9"/>
-    <p:sldId id="462" r:id="rId10"/>
-    <p:sldId id="463" r:id="rId11"/>
+    <p:sldId id="419" r:id="rId5"/>
+    <p:sldId id="459" r:id="rId6"/>
+    <p:sldId id="461" r:id="rId7"/>
+    <p:sldId id="460" r:id="rId8"/>
+    <p:sldId id="462" r:id="rId9"/>
+    <p:sldId id="463" r:id="rId10"/>
+    <p:sldId id="466" r:id="rId11"/>
     <p:sldId id="464" r:id="rId12"/>
     <p:sldId id="465" r:id="rId13"/>
   </p:sldIdLst>
@@ -126,13 +126,13 @@
             <p14:sldId id="451"/>
             <p14:sldId id="456"/>
             <p14:sldId id="457"/>
-            <p14:sldId id="458"/>
             <p14:sldId id="419"/>
             <p14:sldId id="459"/>
             <p14:sldId id="461"/>
             <p14:sldId id="460"/>
             <p14:sldId id="462"/>
             <p14:sldId id="463"/>
+            <p14:sldId id="466"/>
             <p14:sldId id="464"/>
             <p14:sldId id="465"/>
           </p14:sldIdLst>
@@ -259,7 +259,7 @@
           <a:p>
             <a:fld id="{52A5525B-8250-49B5-AF6F-FC0335F44E3F}" type="datetimeFigureOut">
               <a:rPr lang="en-US" smtClean="0"/>
-              <a:t>3/25/2016</a:t>
+              <a:t>3/30/2016</a:t>
             </a:fld>
             <a:endParaRPr lang="en-US"/>
           </a:p>
@@ -1228,7 +1228,7 @@
           <a:p>
             <a:fld id="{BFE4ABA5-C905-4825-8872-D86BC7CBE79A}" type="datetimeFigureOut">
               <a:rPr lang="en-US" smtClean="0"/>
-              <a:t>3/25/2016</a:t>
+              <a:t>3/30/2016</a:t>
             </a:fld>
             <a:endParaRPr lang="en-US" dirty="0"/>
           </a:p>
@@ -1584,7 +1584,7 @@
           <a:p>
             <a:fld id="{BFE4ABA5-C905-4825-8872-D86BC7CBE79A}" type="datetimeFigureOut">
               <a:rPr lang="en-US" smtClean="0"/>
-              <a:t>3/25/2016</a:t>
+              <a:t>3/30/2016</a:t>
             </a:fld>
             <a:endParaRPr lang="en-US" dirty="0"/>
           </a:p>
@@ -3515,7 +3515,7 @@
           <a:p>
             <a:fld id="{BFE4ABA5-C905-4825-8872-D86BC7CBE79A}" type="datetimeFigureOut">
               <a:rPr lang="en-US" smtClean="0"/>
-              <a:t>3/25/2016</a:t>
+              <a:t>3/30/2016</a:t>
             </a:fld>
             <a:endParaRPr lang="en-US" dirty="0"/>
           </a:p>
@@ -3809,7 +3809,7 @@
           <a:p>
             <a:fld id="{BFE4ABA5-C905-4825-8872-D86BC7CBE79A}" type="datetimeFigureOut">
               <a:rPr lang="en-US" smtClean="0"/>
-              <a:t>3/25/2016</a:t>
+              <a:t>3/30/2016</a:t>
             </a:fld>
             <a:endParaRPr lang="en-US" dirty="0"/>
           </a:p>
@@ -4080,7 +4080,7 @@
           <a:p>
             <a:fld id="{BFE4ABA5-C905-4825-8872-D86BC7CBE79A}" type="datetimeFigureOut">
               <a:rPr lang="en-US" smtClean="0"/>
-              <a:t>3/25/2016</a:t>
+              <a:t>3/30/2016</a:t>
             </a:fld>
             <a:endParaRPr lang="en-US" dirty="0"/>
           </a:p>
@@ -4533,7 +4533,7 @@
           <a:p>
             <a:fld id="{BFE4ABA5-C905-4825-8872-D86BC7CBE79A}" type="datetimeFigureOut">
               <a:rPr lang="en-US" smtClean="0"/>
-              <a:t>3/25/2016</a:t>
+              <a:t>3/30/2016</a:t>
             </a:fld>
             <a:endParaRPr lang="en-US" dirty="0"/>
           </a:p>
@@ -4962,7 +4962,7 @@
           <a:p>
             <a:fld id="{BFE4ABA5-C905-4825-8872-D86BC7CBE79A}" type="datetimeFigureOut">
               <a:rPr lang="en-US" smtClean="0"/>
-              <a:t>3/25/2016</a:t>
+              <a:t>3/30/2016</a:t>
             </a:fld>
             <a:endParaRPr lang="en-US" dirty="0"/>
           </a:p>
@@ -5770,41 +5770,19 @@
             <p:ph type="title"/>
           </p:nvPr>
         </p:nvSpPr>
-        <p:spPr/>
+        <p:spPr>
+          <a:xfrm>
+            <a:off x="4118" y="0"/>
+            <a:ext cx="9139881" cy="857250"/>
+          </a:xfrm>
+        </p:spPr>
         <p:txBody>
           <a:bodyPr/>
           <a:lstStyle/>
           <a:p>
             <a:r>
               <a:rPr lang="en-US" dirty="0" smtClean="0"/>
-              <a:t>24 Hour QSTS </a:t>
-            </a:r>
-            <a:r>
-              <a:rPr lang="en-US" dirty="0" err="1" smtClean="0"/>
-              <a:t>kVAR</a:t>
-            </a:r>
-            <a:endParaRPr lang="en-US" dirty="0"/>
-          </a:p>
-        </p:txBody>
-      </p:sp>
-      <p:sp>
-        <p:nvSpPr>
-          <p:cNvPr id="3" name="Text Placeholder 2"/>
-          <p:cNvSpPr>
-            <a:spLocks noGrp="1"/>
-          </p:cNvSpPr>
-          <p:nvPr>
-            <p:ph type="body" idx="1"/>
-          </p:nvPr>
-        </p:nvSpPr>
-        <p:spPr/>
-        <p:txBody>
-          <a:bodyPr/>
-          <a:lstStyle/>
-          <a:p>
-            <a:r>
-              <a:rPr lang="en-US" dirty="0" smtClean="0"/>
-              <a:t>SCADA</a:t>
+              <a:t>Error</a:t>
             </a:r>
             <a:endParaRPr lang="en-US" dirty="0"/>
           </a:p>
@@ -5812,12 +5790,12 @@
       </p:sp>
       <p:pic>
         <p:nvPicPr>
-          <p:cNvPr id="7" name="Content Placeholder 6"/>
+          <p:cNvPr id="6" name="Content Placeholder 5"/>
           <p:cNvPicPr>
             <a:picLocks noGrp="1" noChangeAspect="1"/>
           </p:cNvPicPr>
           <p:nvPr>
-            <p:ph sz="half" idx="2"/>
+            <p:ph idx="1"/>
           </p:nvPr>
         </p:nvPicPr>
         <p:blipFill>
@@ -5834,67 +5812,15 @@
         </p:blipFill>
         <p:spPr>
           <a:xfrm>
-            <a:off x="501386" y="1630363"/>
-            <a:ext cx="3951816" cy="2963862"/>
-          </a:xfrm>
-        </p:spPr>
-      </p:pic>
-      <p:sp>
-        <p:nvSpPr>
-          <p:cNvPr id="5" name="Text Placeholder 4"/>
-          <p:cNvSpPr>
-            <a:spLocks noGrp="1"/>
-          </p:cNvSpPr>
-          <p:nvPr>
-            <p:ph type="body" sz="quarter" idx="3"/>
-          </p:nvPr>
-        </p:nvSpPr>
-        <p:spPr/>
-        <p:txBody>
-          <a:bodyPr/>
-          <a:lstStyle/>
-          <a:p>
-            <a:r>
-              <a:rPr lang="en-US" dirty="0" smtClean="0"/>
-              <a:t>Model</a:t>
-            </a:r>
-            <a:endParaRPr lang="en-US" dirty="0"/>
-          </a:p>
-        </p:txBody>
-      </p:sp>
-      <p:pic>
-        <p:nvPicPr>
-          <p:cNvPr id="8" name="Content Placeholder 7"/>
-          <p:cNvPicPr>
-            <a:picLocks noGrp="1" noChangeAspect="1"/>
-          </p:cNvPicPr>
-          <p:nvPr>
-            <p:ph sz="quarter" idx="4"/>
-          </p:nvPr>
-        </p:nvPicPr>
-        <p:blipFill>
-          <a:blip r:embed="rId3">
-            <a:extLst>
-              <a:ext uri="{28A0092B-C50C-407E-A947-70E740481C1C}">
-                <a14:useLocalDpi xmlns:a14="http://schemas.microsoft.com/office/drawing/2010/main" val="0"/>
-              </a:ext>
-            </a:extLst>
-          </a:blip>
-          <a:stretch>
-            <a:fillRect/>
-          </a:stretch>
-        </p:blipFill>
-        <p:spPr>
-          <a:xfrm>
-            <a:off x="4690004" y="1630363"/>
-            <a:ext cx="3951816" cy="2963862"/>
+            <a:off x="457200" y="857250"/>
+            <a:ext cx="8229600" cy="3965575"/>
           </a:xfrm>
         </p:spPr>
       </p:pic>
     </p:spTree>
     <p:extLst>
       <p:ext uri="{BB962C8B-B14F-4D97-AF65-F5344CB8AC3E}">
-        <p14:creationId xmlns:p14="http://schemas.microsoft.com/office/powerpoint/2010/main" val="2809295760"/>
+        <p14:creationId xmlns:p14="http://schemas.microsoft.com/office/powerpoint/2010/main" val="2775491918"/>
       </p:ext>
     </p:extLst>
   </p:cSld>
@@ -5931,7 +5857,12 @@
             <p:ph type="title"/>
           </p:nvPr>
         </p:nvSpPr>
-        <p:spPr/>
+        <p:spPr>
+          <a:xfrm>
+            <a:off x="0" y="0"/>
+            <a:ext cx="9144000" cy="857250"/>
+          </a:xfrm>
+        </p:spPr>
         <p:txBody>
           <a:bodyPr/>
           <a:lstStyle/>
@@ -5944,90 +5875,35 @@
           </a:p>
         </p:txBody>
       </p:sp>
-      <p:sp>
-        <p:nvSpPr>
-          <p:cNvPr id="3" name="Text Placeholder 2"/>
-          <p:cNvSpPr>
-            <a:spLocks noGrp="1"/>
-          </p:cNvSpPr>
+      <p:pic>
+        <p:nvPicPr>
+          <p:cNvPr id="6" name="Content Placeholder 5"/>
+          <p:cNvPicPr>
+            <a:picLocks noGrp="1" noChangeAspect="1"/>
+          </p:cNvPicPr>
           <p:nvPr>
-            <p:ph type="body" idx="1"/>
+            <p:ph idx="1"/>
           </p:nvPr>
-        </p:nvSpPr>
-        <p:spPr/>
-        <p:txBody>
-          <a:bodyPr/>
-          <a:lstStyle/>
-          <a:p>
-            <a:r>
-              <a:rPr lang="en-US" dirty="0" smtClean="0"/>
-              <a:t>kW vs. Time</a:t>
-            </a:r>
-            <a:endParaRPr lang="en-US" dirty="0"/>
-          </a:p>
-        </p:txBody>
-      </p:sp>
-      <p:sp>
-        <p:nvSpPr>
-          <p:cNvPr id="4" name="Content Placeholder 3"/>
-          <p:cNvSpPr>
-            <a:spLocks noGrp="1"/>
-          </p:cNvSpPr>
-          <p:nvPr>
-            <p:ph sz="half" idx="2"/>
-          </p:nvPr>
-        </p:nvSpPr>
-        <p:spPr/>
-        <p:txBody>
-          <a:bodyPr/>
-          <a:lstStyle/>
-          <a:p>
-            <a:endParaRPr lang="en-US"/>
-          </a:p>
-        </p:txBody>
-      </p:sp>
-      <p:sp>
-        <p:nvSpPr>
-          <p:cNvPr id="5" name="Text Placeholder 4"/>
-          <p:cNvSpPr>
-            <a:spLocks noGrp="1"/>
-          </p:cNvSpPr>
-          <p:nvPr>
-            <p:ph type="body" sz="quarter" idx="3"/>
-          </p:nvPr>
-        </p:nvSpPr>
-        <p:spPr/>
-        <p:txBody>
-          <a:bodyPr/>
-          <a:lstStyle/>
-          <a:p>
-            <a:r>
-              <a:rPr lang="en-US" dirty="0" smtClean="0"/>
-              <a:t>Voltage vs. Time</a:t>
-            </a:r>
-            <a:endParaRPr lang="en-US" dirty="0"/>
-          </a:p>
-        </p:txBody>
-      </p:sp>
-      <p:sp>
-        <p:nvSpPr>
-          <p:cNvPr id="6" name="Content Placeholder 5"/>
-          <p:cNvSpPr>
-            <a:spLocks noGrp="1"/>
-          </p:cNvSpPr>
-          <p:nvPr>
-            <p:ph sz="quarter" idx="4"/>
-          </p:nvPr>
-        </p:nvSpPr>
-        <p:spPr/>
-        <p:txBody>
-          <a:bodyPr/>
-          <a:lstStyle/>
-          <a:p>
-            <a:endParaRPr lang="en-US"/>
-          </a:p>
-        </p:txBody>
-      </p:sp>
+        </p:nvPicPr>
+        <p:blipFill>
+          <a:blip r:embed="rId2">
+            <a:extLst>
+              <a:ext uri="{28A0092B-C50C-407E-A947-70E740481C1C}">
+                <a14:useLocalDpi xmlns:a14="http://schemas.microsoft.com/office/drawing/2010/main" val="0"/>
+              </a:ext>
+            </a:extLst>
+          </a:blip>
+          <a:stretch>
+            <a:fillRect/>
+          </a:stretch>
+        </p:blipFill>
+        <p:spPr>
+          <a:xfrm>
+            <a:off x="457201" y="857250"/>
+            <a:ext cx="8229600" cy="3924299"/>
+          </a:xfrm>
+        </p:spPr>
+      </p:pic>
     </p:spTree>
     <p:extLst>
       <p:ext uri="{BB962C8B-B14F-4D97-AF65-F5344CB8AC3E}">
@@ -6091,25 +5967,419 @@
             <p:ph idx="1"/>
           </p:nvPr>
         </p:nvSpPr>
-        <p:spPr/>
+        <p:spPr>
+          <a:xfrm>
+            <a:off x="4556554" y="1276350"/>
+            <a:ext cx="4114800" cy="3394472"/>
+          </a:xfrm>
+        </p:spPr>
         <p:txBody>
-          <a:bodyPr/>
+          <a:bodyPr>
+            <a:normAutofit/>
+          </a:bodyPr>
           <a:lstStyle/>
           <a:p>
-            <a:r>
-              <a:rPr lang="en-US" dirty="0" smtClean="0"/>
-              <a:t>After model completion, we will begin to compare the runtime of the simplified and detailed model</a:t>
-            </a:r>
-          </a:p>
-          <a:p>
-            <a:r>
-              <a:rPr lang="en-US" dirty="0" smtClean="0"/>
-              <a:t>We will use the simplified model to investigate MATLAB control of SVRs</a:t>
-            </a:r>
-            <a:endParaRPr lang="en-US" dirty="0"/>
+            <a:pPr>
+              <a:buFont typeface="Wingdings" panose="05000000000000000000" pitchFamily="2" charset="2"/>
+              <a:buChar char="§"/>
+            </a:pPr>
+            <a:r>
+              <a:rPr lang="en-US" sz="2400" dirty="0" smtClean="0"/>
+              <a:t>Time Reduction: 99.45%</a:t>
+            </a:r>
+          </a:p>
+          <a:p>
+            <a:pPr>
+              <a:buFont typeface="Wingdings" panose="05000000000000000000" pitchFamily="2" charset="2"/>
+              <a:buChar char="§"/>
+            </a:pPr>
+            <a:r>
+              <a:rPr lang="en-US" sz="2400" dirty="0" smtClean="0"/>
+              <a:t>Max Real Power Error: 2.22%</a:t>
+            </a:r>
+          </a:p>
+          <a:p>
+            <a:pPr>
+              <a:buFont typeface="Wingdings" panose="05000000000000000000" pitchFamily="2" charset="2"/>
+              <a:buChar char="§"/>
+            </a:pPr>
+            <a:r>
+              <a:rPr lang="en-US" sz="2400" dirty="0" smtClean="0"/>
+              <a:t>Investigate MATLAB control of SVRs using simplified model</a:t>
+            </a:r>
+            <a:endParaRPr lang="en-US" sz="2400" dirty="0" smtClean="0"/>
+          </a:p>
+          <a:p>
+            <a:pPr>
+              <a:buFont typeface="Wingdings" panose="05000000000000000000" pitchFamily="2" charset="2"/>
+              <a:buChar char="§"/>
+            </a:pPr>
+            <a:r>
+              <a:rPr lang="en-US" sz="2400" dirty="0" smtClean="0"/>
+              <a:t>Automatic simplified model generation through collapse of nodes and loads</a:t>
+            </a:r>
+            <a:endParaRPr lang="en-US" sz="2400" dirty="0"/>
           </a:p>
         </p:txBody>
       </p:sp>
+      <p:graphicFrame>
+        <p:nvGraphicFramePr>
+          <p:cNvPr id="4" name="Table 3"/>
+          <p:cNvGraphicFramePr>
+            <a:graphicFrameLocks noGrp="1"/>
+          </p:cNvGraphicFramePr>
+          <p:nvPr>
+            <p:extLst>
+              <p:ext uri="{D42A27DB-BD31-4B8C-83A1-F6EECF244321}">
+                <p14:modId xmlns:p14="http://schemas.microsoft.com/office/powerpoint/2010/main" val="2199470965"/>
+              </p:ext>
+            </p:extLst>
+          </p:nvPr>
+        </p:nvGraphicFramePr>
+        <p:xfrm>
+          <a:off x="457200" y="1276350"/>
+          <a:ext cx="4099353" cy="3394470"/>
+        </p:xfrm>
+        <a:graphic>
+          <a:graphicData uri="http://schemas.openxmlformats.org/drawingml/2006/table">
+            <a:tbl>
+              <a:tblPr firstRow="1" bandRow="1">
+                <a:tableStyleId>{5C22544A-7EE6-4342-B048-85BDC9FD1C3A}</a:tableStyleId>
+              </a:tblPr>
+              <a:tblGrid>
+                <a:gridCol w="1366451">
+                  <a:extLst>
+                    <a:ext uri="{9D8B030D-6E8A-4147-A177-3AD203B41FA5}">
+                      <a16:colId xmlns:a16="http://schemas.microsoft.com/office/drawing/2014/main" val="1814606339"/>
+                    </a:ext>
+                  </a:extLst>
+                </a:gridCol>
+                <a:gridCol w="1366451">
+                  <a:extLst>
+                    <a:ext uri="{9D8B030D-6E8A-4147-A177-3AD203B41FA5}">
+                      <a16:colId xmlns:a16="http://schemas.microsoft.com/office/drawing/2014/main" val="2864590014"/>
+                    </a:ext>
+                  </a:extLst>
+                </a:gridCol>
+                <a:gridCol w="1366451">
+                  <a:extLst>
+                    <a:ext uri="{9D8B030D-6E8A-4147-A177-3AD203B41FA5}">
+                      <a16:colId xmlns:a16="http://schemas.microsoft.com/office/drawing/2014/main" val="2716852499"/>
+                    </a:ext>
+                  </a:extLst>
+                </a:gridCol>
+              </a:tblGrid>
+              <a:tr h="565745">
+                <a:tc>
+                  <a:txBody>
+                    <a:bodyPr/>
+                    <a:lstStyle/>
+                    <a:p>
+                      <a:pPr algn="ctr"/>
+                      <a:endParaRPr lang="en-US" dirty="0"/>
+                    </a:p>
+                  </a:txBody>
+                  <a:tcPr anchor="ctr"/>
+                </a:tc>
+                <a:tc>
+                  <a:txBody>
+                    <a:bodyPr/>
+                    <a:lstStyle/>
+                    <a:p>
+                      <a:pPr algn="ctr"/>
+                      <a:r>
+                        <a:rPr lang="en-US" dirty="0" smtClean="0"/>
+                        <a:t>Detailed</a:t>
+                      </a:r>
+                      <a:endParaRPr lang="en-US" dirty="0"/>
+                    </a:p>
+                  </a:txBody>
+                  <a:tcPr anchor="ctr"/>
+                </a:tc>
+                <a:tc>
+                  <a:txBody>
+                    <a:bodyPr/>
+                    <a:lstStyle/>
+                    <a:p>
+                      <a:pPr algn="ctr"/>
+                      <a:r>
+                        <a:rPr lang="en-US" dirty="0" smtClean="0"/>
+                        <a:t>Simplified</a:t>
+                      </a:r>
+                      <a:endParaRPr lang="en-US" dirty="0"/>
+                    </a:p>
+                  </a:txBody>
+                  <a:tcPr anchor="ctr"/>
+                </a:tc>
+                <a:extLst>
+                  <a:ext uri="{0D108BD9-81ED-4DB2-BD59-A6C34878D82A}">
+                    <a16:rowId xmlns:a16="http://schemas.microsoft.com/office/drawing/2014/main" val="1600343892"/>
+                  </a:ext>
+                </a:extLst>
+              </a:tr>
+              <a:tr h="565745">
+                <a:tc>
+                  <a:txBody>
+                    <a:bodyPr/>
+                    <a:lstStyle/>
+                    <a:p>
+                      <a:pPr algn="ctr"/>
+                      <a:r>
+                        <a:rPr lang="en-US" dirty="0" smtClean="0"/>
+                        <a:t>1 day</a:t>
+                      </a:r>
+                    </a:p>
+                  </a:txBody>
+                  <a:tcPr anchor="ctr"/>
+                </a:tc>
+                <a:tc>
+                  <a:txBody>
+                    <a:bodyPr/>
+                    <a:lstStyle/>
+                    <a:p>
+                      <a:pPr algn="ctr"/>
+                      <a:r>
+                        <a:rPr lang="en-US" dirty="0" smtClean="0"/>
+                        <a:t>8.29 m</a:t>
+                      </a:r>
+                      <a:endParaRPr lang="en-US" dirty="0"/>
+                    </a:p>
+                  </a:txBody>
+                  <a:tcPr anchor="ctr"/>
+                </a:tc>
+                <a:tc>
+                  <a:txBody>
+                    <a:bodyPr/>
+                    <a:lstStyle/>
+                    <a:p>
+                      <a:pPr algn="ctr"/>
+                      <a:r>
+                        <a:rPr lang="en-US" dirty="0" smtClean="0"/>
+                        <a:t>2.72 s</a:t>
+                      </a:r>
+                      <a:endParaRPr lang="en-US" dirty="0"/>
+                    </a:p>
+                  </a:txBody>
+                  <a:tcPr anchor="ctr"/>
+                </a:tc>
+                <a:extLst>
+                  <a:ext uri="{0D108BD9-81ED-4DB2-BD59-A6C34878D82A}">
+                    <a16:rowId xmlns:a16="http://schemas.microsoft.com/office/drawing/2014/main" val="1402994188"/>
+                  </a:ext>
+                </a:extLst>
+              </a:tr>
+              <a:tr h="565745">
+                <a:tc>
+                  <a:txBody>
+                    <a:bodyPr/>
+                    <a:lstStyle/>
+                    <a:p>
+                      <a:pPr algn="ctr"/>
+                      <a:r>
+                        <a:rPr lang="en-US" dirty="0" smtClean="0"/>
+                        <a:t>1 week</a:t>
+                      </a:r>
+                      <a:endParaRPr lang="en-US" dirty="0"/>
+                    </a:p>
+                  </a:txBody>
+                  <a:tcPr anchor="ctr"/>
+                </a:tc>
+                <a:tc>
+                  <a:txBody>
+                    <a:bodyPr/>
+                    <a:lstStyle/>
+                    <a:p>
+                      <a:pPr algn="ctr"/>
+                      <a:r>
+                        <a:rPr lang="en-US" dirty="0" smtClean="0"/>
+                        <a:t>58 m</a:t>
+                      </a:r>
+                      <a:endParaRPr lang="en-US" dirty="0"/>
+                    </a:p>
+                  </a:txBody>
+                  <a:tcPr anchor="ctr"/>
+                </a:tc>
+                <a:tc>
+                  <a:txBody>
+                    <a:bodyPr/>
+                    <a:lstStyle/>
+                    <a:p>
+                      <a:pPr algn="ctr"/>
+                      <a:r>
+                        <a:rPr lang="en-US" dirty="0" smtClean="0"/>
+                        <a:t>19.06 s</a:t>
+                      </a:r>
+                      <a:endParaRPr lang="en-US" dirty="0"/>
+                    </a:p>
+                  </a:txBody>
+                  <a:tcPr anchor="ctr"/>
+                </a:tc>
+                <a:extLst>
+                  <a:ext uri="{0D108BD9-81ED-4DB2-BD59-A6C34878D82A}">
+                    <a16:rowId xmlns:a16="http://schemas.microsoft.com/office/drawing/2014/main" val="1940409108"/>
+                  </a:ext>
+                </a:extLst>
+              </a:tr>
+              <a:tr h="565745">
+                <a:tc>
+                  <a:txBody>
+                    <a:bodyPr/>
+                    <a:lstStyle/>
+                    <a:p>
+                      <a:pPr algn="ctr"/>
+                      <a:r>
+                        <a:rPr lang="en-US" dirty="0" smtClean="0"/>
+                        <a:t>1 month</a:t>
+                      </a:r>
+                      <a:endParaRPr lang="en-US" dirty="0"/>
+                    </a:p>
+                  </a:txBody>
+                  <a:tcPr anchor="ctr"/>
+                </a:tc>
+                <a:tc>
+                  <a:txBody>
+                    <a:bodyPr/>
+                    <a:lstStyle/>
+                    <a:p>
+                      <a:pPr algn="ctr"/>
+                      <a:r>
+                        <a:rPr lang="en-US" dirty="0" smtClean="0"/>
+                        <a:t>3.87 h</a:t>
+                      </a:r>
+                      <a:endParaRPr lang="en-US" dirty="0"/>
+                    </a:p>
+                  </a:txBody>
+                  <a:tcPr anchor="ctr"/>
+                </a:tc>
+                <a:tc>
+                  <a:txBody>
+                    <a:bodyPr/>
+                    <a:lstStyle/>
+                    <a:p>
+                      <a:pPr algn="ctr"/>
+                      <a:r>
+                        <a:rPr lang="en-US" dirty="0" smtClean="0"/>
+                        <a:t>1.27 m</a:t>
+                      </a:r>
+                      <a:endParaRPr lang="en-US" dirty="0"/>
+                    </a:p>
+                  </a:txBody>
+                  <a:tcPr anchor="ctr"/>
+                </a:tc>
+                <a:extLst>
+                  <a:ext uri="{0D108BD9-81ED-4DB2-BD59-A6C34878D82A}">
+                    <a16:rowId xmlns:a16="http://schemas.microsoft.com/office/drawing/2014/main" val="2333196513"/>
+                  </a:ext>
+                </a:extLst>
+              </a:tr>
+              <a:tr h="565745">
+                <a:tc>
+                  <a:txBody>
+                    <a:bodyPr/>
+                    <a:lstStyle/>
+                    <a:p>
+                      <a:pPr algn="ctr"/>
+                      <a:r>
+                        <a:rPr lang="en-US" dirty="0" smtClean="0"/>
+                        <a:t>1 quarter</a:t>
+                      </a:r>
+                      <a:endParaRPr lang="en-US" dirty="0"/>
+                    </a:p>
+                  </a:txBody>
+                  <a:tcPr anchor="ctr"/>
+                </a:tc>
+                <a:tc>
+                  <a:txBody>
+                    <a:bodyPr/>
+                    <a:lstStyle/>
+                    <a:p>
+                      <a:pPr algn="ctr"/>
+                      <a:r>
+                        <a:rPr lang="en-US" dirty="0" smtClean="0"/>
+                        <a:t>11.6 h</a:t>
+                      </a:r>
+                      <a:endParaRPr lang="en-US" dirty="0"/>
+                    </a:p>
+                  </a:txBody>
+                  <a:tcPr anchor="ctr"/>
+                </a:tc>
+                <a:tc>
+                  <a:txBody>
+                    <a:bodyPr/>
+                    <a:lstStyle/>
+                    <a:p>
+                      <a:pPr algn="ctr"/>
+                      <a:r>
+                        <a:rPr lang="en-US" dirty="0" smtClean="0"/>
+                        <a:t>3.81 m</a:t>
+                      </a:r>
+                      <a:endParaRPr lang="en-US" dirty="0"/>
+                    </a:p>
+                  </a:txBody>
+                  <a:tcPr anchor="ctr"/>
+                </a:tc>
+                <a:extLst>
+                  <a:ext uri="{0D108BD9-81ED-4DB2-BD59-A6C34878D82A}">
+                    <a16:rowId xmlns:a16="http://schemas.microsoft.com/office/drawing/2014/main" val="1432203838"/>
+                  </a:ext>
+                </a:extLst>
+              </a:tr>
+              <a:tr h="565745">
+                <a:tc>
+                  <a:txBody>
+                    <a:bodyPr/>
+                    <a:lstStyle/>
+                    <a:p>
+                      <a:pPr algn="ctr"/>
+                      <a:r>
+                        <a:rPr lang="en-US" dirty="0" smtClean="0"/>
+                        <a:t>1 year</a:t>
+                      </a:r>
+                      <a:endParaRPr lang="en-US" dirty="0"/>
+                    </a:p>
+                  </a:txBody>
+                  <a:tcPr anchor="ctr"/>
+                </a:tc>
+                <a:tc>
+                  <a:txBody>
+                    <a:bodyPr/>
+                    <a:lstStyle/>
+                    <a:p>
+                      <a:pPr algn="ctr"/>
+                      <a:r>
+                        <a:rPr lang="en-US" dirty="0" smtClean="0"/>
+                        <a:t>2.09 d</a:t>
+                      </a:r>
+                      <a:endParaRPr lang="en-US" dirty="0"/>
+                    </a:p>
+                  </a:txBody>
+                  <a:tcPr anchor="ctr"/>
+                </a:tc>
+                <a:tc>
+                  <a:txBody>
+                    <a:bodyPr/>
+                    <a:lstStyle/>
+                    <a:p>
+                      <a:pPr algn="ctr"/>
+                      <a:r>
+                        <a:rPr lang="en-US" dirty="0" smtClean="0"/>
+                        <a:t>16.5 m</a:t>
+                      </a:r>
+                      <a:endParaRPr lang="en-US" dirty="0"/>
+                    </a:p>
+                  </a:txBody>
+                  <a:tcPr anchor="ctr"/>
+                </a:tc>
+                <a:extLst>
+                  <a:ext uri="{0D108BD9-81ED-4DB2-BD59-A6C34878D82A}">
+                    <a16:rowId xmlns:a16="http://schemas.microsoft.com/office/drawing/2014/main" val="3822115802"/>
+                  </a:ext>
+                </a:extLst>
+              </a:tr>
+            </a:tbl>
+          </a:graphicData>
+        </a:graphic>
+      </p:graphicFrame>
     </p:spTree>
     <p:extLst>
       <p:ext uri="{BB962C8B-B14F-4D97-AF65-F5344CB8AC3E}">
@@ -7337,12 +7607,7 @@
             <p:ph type="title"/>
           </p:nvPr>
         </p:nvSpPr>
-        <p:spPr>
-          <a:xfrm>
-            <a:off x="457200" y="2019300"/>
-            <a:ext cx="8153400" cy="857250"/>
-          </a:xfrm>
-        </p:spPr>
+        <p:spPr/>
         <p:txBody>
           <a:bodyPr>
             <a:normAutofit/>
@@ -7350,23 +7615,159 @@
           <a:lstStyle/>
           <a:p>
             <a:r>
-              <a:rPr lang="en-US" dirty="0" smtClean="0"/>
-              <a:t>5a. Variable Nature of Solar Gen.</a:t>
-            </a:r>
-            <a:endParaRPr lang="en-US" dirty="0"/>
+              <a:rPr lang="en-US" sz="3600" dirty="0" smtClean="0"/>
+              <a:t>Simplifying the Feeder 04 Model</a:t>
+            </a:r>
+            <a:endParaRPr lang="en-US" sz="3600" dirty="0"/>
           </a:p>
         </p:txBody>
       </p:sp>
+      <p:pic>
+        <p:nvPicPr>
+          <p:cNvPr id="11" name="Content Placeholder 10"/>
+          <p:cNvPicPr>
+            <a:picLocks noGrp="1" noChangeAspect="1"/>
+          </p:cNvPicPr>
+          <p:nvPr>
+            <p:ph idx="1"/>
+          </p:nvPr>
+        </p:nvPicPr>
+        <p:blipFill>
+          <a:blip r:embed="rId2"/>
+          <a:stretch>
+            <a:fillRect/>
+          </a:stretch>
+        </p:blipFill>
+        <p:spPr>
+          <a:xfrm>
+            <a:off x="152400" y="1631948"/>
+            <a:ext cx="4874395" cy="2743200"/>
+          </a:xfrm>
+          <a:prstGeom prst="rect">
+            <a:avLst/>
+          </a:prstGeom>
+        </p:spPr>
+      </p:pic>
+      <p:sp>
+        <p:nvSpPr>
+          <p:cNvPr id="7" name="Text Placeholder 6"/>
+          <p:cNvSpPr>
+            <a:spLocks noGrp="1"/>
+          </p:cNvSpPr>
+          <p:nvPr>
+            <p:ph type="body" idx="4294967295"/>
+          </p:nvPr>
+        </p:nvSpPr>
+        <p:spPr>
+          <a:xfrm>
+            <a:off x="569503" y="1150936"/>
+            <a:ext cx="4040188" cy="481012"/>
+          </a:xfrm>
+        </p:spPr>
+        <p:txBody>
+          <a:bodyPr>
+            <a:normAutofit fontScale="92500" lnSpcReduction="20000"/>
+          </a:bodyPr>
+          <a:lstStyle/>
+          <a:p>
+            <a:pPr marL="0" indent="0" algn="ctr">
+              <a:buNone/>
+            </a:pPr>
+            <a:r>
+              <a:rPr lang="en-US" dirty="0" smtClean="0"/>
+              <a:t>Topology Planning</a:t>
+            </a:r>
+            <a:endParaRPr lang="en-US" dirty="0"/>
+          </a:p>
+        </p:txBody>
+      </p:sp>
+      <p:sp>
+        <p:nvSpPr>
+          <p:cNvPr id="9" name="Text Placeholder 8"/>
+          <p:cNvSpPr>
+            <a:spLocks noGrp="1"/>
+          </p:cNvSpPr>
+          <p:nvPr>
+            <p:ph type="body" sz="quarter" idx="4294967295"/>
+          </p:nvPr>
+        </p:nvSpPr>
+        <p:spPr>
+          <a:xfrm>
+            <a:off x="5198514" y="1129987"/>
+            <a:ext cx="3466003" cy="501961"/>
+          </a:xfrm>
+        </p:spPr>
+        <p:txBody>
+          <a:bodyPr>
+            <a:normAutofit fontScale="92500" lnSpcReduction="20000"/>
+          </a:bodyPr>
+          <a:lstStyle/>
+          <a:p>
+            <a:pPr marL="0" indent="0" algn="ctr">
+              <a:buNone/>
+            </a:pPr>
+            <a:r>
+              <a:rPr lang="en-US" dirty="0" smtClean="0"/>
+              <a:t>Topology Results</a:t>
+            </a:r>
+            <a:endParaRPr lang="en-US" dirty="0"/>
+          </a:p>
+        </p:txBody>
+      </p:sp>
+      <p:pic>
+        <p:nvPicPr>
+          <p:cNvPr id="14" name="Content Placeholder 13"/>
+          <p:cNvPicPr>
+            <a:picLocks noGrp="1" noChangeAspect="1"/>
+          </p:cNvPicPr>
+          <p:nvPr>
+            <p:ph sz="quarter" idx="4294967295"/>
+          </p:nvPr>
+        </p:nvPicPr>
+        <p:blipFill>
+          <a:blip r:embed="rId3">
+            <a:extLst>
+              <a:ext uri="{28A0092B-C50C-407E-A947-70E740481C1C}">
+                <a14:useLocalDpi xmlns:a14="http://schemas.microsoft.com/office/drawing/2010/main" val="0"/>
+              </a:ext>
+            </a:extLst>
+          </a:blip>
+          <a:stretch>
+            <a:fillRect/>
+          </a:stretch>
+        </p:blipFill>
+        <p:spPr>
+          <a:xfrm>
+            <a:off x="5102225" y="1631948"/>
+            <a:ext cx="3658582" cy="2743200"/>
+          </a:xfrm>
+        </p:spPr>
+      </p:pic>
     </p:spTree>
     <p:extLst>
       <p:ext uri="{BB962C8B-B14F-4D97-AF65-F5344CB8AC3E}">
-        <p14:creationId xmlns:p14="http://schemas.microsoft.com/office/powerpoint/2010/main" val="2925163754"/>
+        <p14:creationId xmlns:p14="http://schemas.microsoft.com/office/powerpoint/2010/main" val="1990712383"/>
       </p:ext>
     </p:extLst>
   </p:cSld>
   <p:clrMapOvr>
     <a:masterClrMapping/>
   </p:clrMapOvr>
+  <mc:AlternateContent xmlns:mc="http://schemas.openxmlformats.org/markup-compatibility/2006" xmlns:p14="http://schemas.microsoft.com/office/powerpoint/2010/main">
+    <mc:Choice Requires="p14">
+      <p:transition spd="slow" p14:dur="2000"/>
+    </mc:Choice>
+    <mc:Fallback xmlns="">
+      <p:transition spd="slow"/>
+    </mc:Fallback>
+  </mc:AlternateContent>
+  <p:timing>
+    <p:tnLst>
+      <p:par>
+        <p:cTn id="1" dur="indefinite" restart="never" nodeType="tmRoot"/>
+      </p:par>
+    </p:tnLst>
+  </p:timing>
 </p:sld>
 </file>
 
@@ -7399,50 +7800,335 @@
         </p:nvSpPr>
         <p:spPr/>
         <p:txBody>
+          <a:bodyPr/>
+          <a:lstStyle/>
+          <a:p>
+            <a:r>
+              <a:rPr lang="en-US" dirty="0" smtClean="0"/>
+              <a:t>Simplifying the Feeder 04 Model</a:t>
+            </a:r>
+            <a:endParaRPr lang="en-US" dirty="0"/>
+          </a:p>
+        </p:txBody>
+      </p:sp>
+      <p:graphicFrame>
+        <p:nvGraphicFramePr>
+          <p:cNvPr id="7" name="Content Placeholder 6"/>
+          <p:cNvGraphicFramePr>
+            <a:graphicFrameLocks noGrp="1"/>
+          </p:cNvGraphicFramePr>
+          <p:nvPr>
+            <p:ph idx="1"/>
+            <p:extLst>
+              <p:ext uri="{D42A27DB-BD31-4B8C-83A1-F6EECF244321}">
+                <p14:modId xmlns:p14="http://schemas.microsoft.com/office/powerpoint/2010/main" val="2460625997"/>
+              </p:ext>
+            </p:extLst>
+          </p:nvPr>
+        </p:nvGraphicFramePr>
+        <p:xfrm>
+          <a:off x="228600" y="1598601"/>
+          <a:ext cx="4608154" cy="1906973"/>
+        </p:xfrm>
+        <a:graphic>
+          <a:graphicData uri="http://schemas.openxmlformats.org/drawingml/2006/table">
+            <a:tbl>
+              <a:tblPr firstRow="1" bandRow="1">
+                <a:tableStyleId>{5C22544A-7EE6-4342-B048-85BDC9FD1C3A}</a:tableStyleId>
+              </a:tblPr>
+              <a:tblGrid>
+                <a:gridCol w="869122">
+                  <a:extLst>
+                    <a:ext uri="{9D8B030D-6E8A-4147-A177-3AD203B41FA5}">
+                      <a16:colId xmlns:a16="http://schemas.microsoft.com/office/drawing/2014/main" val="152555019"/>
+                    </a:ext>
+                  </a:extLst>
+                </a:gridCol>
+                <a:gridCol w="1246344">
+                  <a:extLst>
+                    <a:ext uri="{9D8B030D-6E8A-4147-A177-3AD203B41FA5}">
+                      <a16:colId xmlns:a16="http://schemas.microsoft.com/office/drawing/2014/main" val="1749364927"/>
+                    </a:ext>
+                  </a:extLst>
+                </a:gridCol>
+                <a:gridCol w="1246344">
+                  <a:extLst>
+                    <a:ext uri="{9D8B030D-6E8A-4147-A177-3AD203B41FA5}">
+                      <a16:colId xmlns:a16="http://schemas.microsoft.com/office/drawing/2014/main" val="1795029298"/>
+                    </a:ext>
+                  </a:extLst>
+                </a:gridCol>
+                <a:gridCol w="1246344">
+                  <a:extLst>
+                    <a:ext uri="{9D8B030D-6E8A-4147-A177-3AD203B41FA5}">
+                      <a16:colId xmlns:a16="http://schemas.microsoft.com/office/drawing/2014/main" val="1707841233"/>
+                    </a:ext>
+                  </a:extLst>
+                </a:gridCol>
+              </a:tblGrid>
+              <a:tr h="508526">
+                <a:tc>
+                  <a:txBody>
+                    <a:bodyPr/>
+                    <a:lstStyle/>
+                    <a:p>
+                      <a:endParaRPr lang="en-US" dirty="0"/>
+                    </a:p>
+                  </a:txBody>
+                  <a:tcPr marL="184533" marR="184533"/>
+                </a:tc>
+                <a:tc>
+                  <a:txBody>
+                    <a:bodyPr/>
+                    <a:lstStyle/>
+                    <a:p>
+                      <a:r>
+                        <a:rPr lang="en-US" sz="1600" dirty="0" smtClean="0"/>
+                        <a:t>Detailed</a:t>
+                      </a:r>
+                      <a:endParaRPr lang="en-US" sz="1600" dirty="0"/>
+                    </a:p>
+                  </a:txBody>
+                  <a:tcPr marL="184533" marR="184533"/>
+                </a:tc>
+                <a:tc>
+                  <a:txBody>
+                    <a:bodyPr/>
+                    <a:lstStyle/>
+                    <a:p>
+                      <a:r>
+                        <a:rPr lang="en-US" sz="1600" dirty="0" smtClean="0"/>
+                        <a:t>Simplified</a:t>
+                      </a:r>
+                      <a:endParaRPr lang="en-US" sz="1600" dirty="0"/>
+                    </a:p>
+                  </a:txBody>
+                  <a:tcPr marL="184533" marR="184533"/>
+                </a:tc>
+                <a:tc>
+                  <a:txBody>
+                    <a:bodyPr/>
+                    <a:lstStyle/>
+                    <a:p>
+                      <a:r>
+                        <a:rPr lang="en-US" sz="1600" dirty="0" smtClean="0"/>
+                        <a:t>Reduction</a:t>
+                      </a:r>
+                      <a:endParaRPr lang="en-US" sz="1600" dirty="0"/>
+                    </a:p>
+                  </a:txBody>
+                  <a:tcPr marL="184533" marR="184533"/>
+                </a:tc>
+                <a:extLst>
+                  <a:ext uri="{0D108BD9-81ED-4DB2-BD59-A6C34878D82A}">
+                    <a16:rowId xmlns:a16="http://schemas.microsoft.com/office/drawing/2014/main" val="1584643580"/>
+                  </a:ext>
+                </a:extLst>
+              </a:tr>
+              <a:tr h="508526">
+                <a:tc>
+                  <a:txBody>
+                    <a:bodyPr/>
+                    <a:lstStyle/>
+                    <a:p>
+                      <a:r>
+                        <a:rPr lang="en-US" dirty="0" smtClean="0"/>
+                        <a:t>Lines</a:t>
+                      </a:r>
+                      <a:endParaRPr lang="en-US" dirty="0"/>
+                    </a:p>
+                  </a:txBody>
+                  <a:tcPr marL="184533" marR="184533"/>
+                </a:tc>
+                <a:tc>
+                  <a:txBody>
+                    <a:bodyPr/>
+                    <a:lstStyle/>
+                    <a:p>
+                      <a:r>
+                        <a:rPr lang="en-US" dirty="0" smtClean="0"/>
+                        <a:t>2196</a:t>
+                      </a:r>
+                      <a:endParaRPr lang="en-US" dirty="0"/>
+                    </a:p>
+                  </a:txBody>
+                  <a:tcPr marL="184533" marR="184533"/>
+                </a:tc>
+                <a:tc>
+                  <a:txBody>
+                    <a:bodyPr/>
+                    <a:lstStyle/>
+                    <a:p>
+                      <a:r>
+                        <a:rPr lang="en-US" dirty="0" smtClean="0"/>
+                        <a:t>67</a:t>
+                      </a:r>
+                      <a:endParaRPr lang="en-US" dirty="0"/>
+                    </a:p>
+                  </a:txBody>
+                  <a:tcPr marL="184533" marR="184533"/>
+                </a:tc>
+                <a:tc>
+                  <a:txBody>
+                    <a:bodyPr/>
+                    <a:lstStyle/>
+                    <a:p>
+                      <a:r>
+                        <a:rPr lang="en-US" dirty="0" smtClean="0"/>
+                        <a:t>96.9%</a:t>
+                      </a:r>
+                      <a:endParaRPr lang="en-US" dirty="0"/>
+                    </a:p>
+                  </a:txBody>
+                  <a:tcPr marL="184533" marR="184533"/>
+                </a:tc>
+                <a:extLst>
+                  <a:ext uri="{0D108BD9-81ED-4DB2-BD59-A6C34878D82A}">
+                    <a16:rowId xmlns:a16="http://schemas.microsoft.com/office/drawing/2014/main" val="4023120333"/>
+                  </a:ext>
+                </a:extLst>
+              </a:tr>
+              <a:tr h="889921">
+                <a:tc>
+                  <a:txBody>
+                    <a:bodyPr/>
+                    <a:lstStyle/>
+                    <a:p>
+                      <a:r>
+                        <a:rPr lang="en-US" dirty="0" smtClean="0"/>
+                        <a:t>Loads</a:t>
+                      </a:r>
+                      <a:endParaRPr lang="en-US" dirty="0"/>
+                    </a:p>
+                  </a:txBody>
+                  <a:tcPr marL="184533" marR="184533"/>
+                </a:tc>
+                <a:tc>
+                  <a:txBody>
+                    <a:bodyPr/>
+                    <a:lstStyle/>
+                    <a:p>
+                      <a:r>
+                        <a:rPr lang="en-US" dirty="0" smtClean="0"/>
+                        <a:t>1047</a:t>
+                      </a:r>
+                      <a:endParaRPr lang="en-US" dirty="0"/>
+                    </a:p>
+                  </a:txBody>
+                  <a:tcPr marL="184533" marR="184533"/>
+                </a:tc>
+                <a:tc>
+                  <a:txBody>
+                    <a:bodyPr/>
+                    <a:lstStyle/>
+                    <a:p>
+                      <a:r>
+                        <a:rPr lang="en-US" dirty="0" smtClean="0"/>
+                        <a:t>78</a:t>
+                      </a:r>
+                      <a:endParaRPr lang="en-US" dirty="0"/>
+                    </a:p>
+                  </a:txBody>
+                  <a:tcPr marL="184533" marR="184533"/>
+                </a:tc>
+                <a:tc>
+                  <a:txBody>
+                    <a:bodyPr/>
+                    <a:lstStyle/>
+                    <a:p>
+                      <a:r>
+                        <a:rPr lang="en-US" dirty="0" smtClean="0"/>
+                        <a:t>92.6%</a:t>
+                      </a:r>
+                      <a:endParaRPr lang="en-US" dirty="0"/>
+                    </a:p>
+                  </a:txBody>
+                  <a:tcPr marL="184533" marR="184533"/>
+                </a:tc>
+                <a:extLst>
+                  <a:ext uri="{0D108BD9-81ED-4DB2-BD59-A6C34878D82A}">
+                    <a16:rowId xmlns:a16="http://schemas.microsoft.com/office/drawing/2014/main" val="1154275130"/>
+                  </a:ext>
+                </a:extLst>
+              </a:tr>
+            </a:tbl>
+          </a:graphicData>
+        </a:graphic>
+      </p:graphicFrame>
+      <p:sp>
+        <p:nvSpPr>
+          <p:cNvPr id="3" name="Text Placeholder 2"/>
+          <p:cNvSpPr>
+            <a:spLocks noGrp="1"/>
+          </p:cNvSpPr>
+          <p:nvPr>
+            <p:ph type="body" idx="4294967295"/>
+          </p:nvPr>
+        </p:nvSpPr>
+        <p:spPr>
+          <a:xfrm>
+            <a:off x="512583" y="1090408"/>
+            <a:ext cx="4040188" cy="481012"/>
+          </a:xfrm>
+        </p:spPr>
+        <p:txBody>
           <a:bodyPr>
-            <a:normAutofit/>
+            <a:noAutofit/>
           </a:bodyPr>
           <a:lstStyle/>
           <a:p>
-            <a:r>
-              <a:rPr lang="en-US" sz="3600" dirty="0" smtClean="0"/>
-              <a:t>Simplifying the Feeder 04 Model</a:t>
-            </a:r>
-            <a:endParaRPr lang="en-US" sz="3600" dirty="0"/>
+            <a:pPr marL="0" indent="0" algn="ctr">
+              <a:buNone/>
+            </a:pPr>
+            <a:r>
+              <a:rPr lang="en-US" sz="2700" dirty="0" smtClean="0"/>
+              <a:t>Component Comparison</a:t>
+            </a:r>
+            <a:endParaRPr lang="en-US" sz="2700" dirty="0"/>
           </a:p>
         </p:txBody>
       </p:sp>
       <p:sp>
         <p:nvSpPr>
-          <p:cNvPr id="7" name="Text Placeholder 6"/>
+          <p:cNvPr id="5" name="Text Placeholder 4"/>
           <p:cNvSpPr>
             <a:spLocks noGrp="1"/>
           </p:cNvSpPr>
           <p:nvPr>
-            <p:ph type="body" idx="1"/>
+            <p:ph type="body" sz="quarter" idx="4294967295"/>
           </p:nvPr>
         </p:nvSpPr>
-        <p:spPr/>
+        <p:spPr>
+          <a:xfrm>
+            <a:off x="4953000" y="1063228"/>
+            <a:ext cx="4041775" cy="481012"/>
+          </a:xfrm>
+        </p:spPr>
         <p:txBody>
-          <a:bodyPr/>
+          <a:bodyPr>
+            <a:noAutofit/>
+          </a:bodyPr>
           <a:lstStyle/>
           <a:p>
-            <a:r>
-              <a:rPr lang="en-US" dirty="0" smtClean="0"/>
-              <a:t>Topology Planning</a:t>
-            </a:r>
-            <a:endParaRPr lang="en-US" dirty="0"/>
+            <a:pPr marL="0" indent="0" algn="ctr">
+              <a:buNone/>
+            </a:pPr>
+            <a:r>
+              <a:rPr lang="en-US" sz="2700" dirty="0" smtClean="0"/>
+              <a:t>DSS Line/Bus Development</a:t>
+            </a:r>
+            <a:endParaRPr lang="en-US" sz="2700" dirty="0"/>
           </a:p>
         </p:txBody>
       </p:sp>
       <p:pic>
         <p:nvPicPr>
-          <p:cNvPr id="11" name="Content Placeholder 10"/>
+          <p:cNvPr id="10" name="Content Placeholder 9"/>
           <p:cNvPicPr>
             <a:picLocks noGrp="1" noChangeAspect="1"/>
           </p:cNvPicPr>
           <p:nvPr>
-            <p:ph sz="half" idx="2"/>
+            <p:ph sz="quarter" idx="4294967295"/>
           </p:nvPr>
         </p:nvPicPr>
         <p:blipFill>
@@ -7453,8 +8139,8 @@
         </p:blipFill>
         <p:spPr>
           <a:xfrm>
-            <a:off x="457200" y="1975432"/>
-            <a:ext cx="4040188" cy="2273724"/>
+            <a:off x="4953000" y="1575776"/>
+            <a:ext cx="4041775" cy="1929799"/>
           </a:xfrm>
           <a:prstGeom prst="rect">
             <a:avLst/>
@@ -7463,81 +8149,77 @@
       </p:pic>
       <p:sp>
         <p:nvSpPr>
-          <p:cNvPr id="9" name="Text Placeholder 8"/>
-          <p:cNvSpPr>
-            <a:spLocks noGrp="1"/>
-          </p:cNvSpPr>
-          <p:nvPr>
-            <p:ph type="body" sz="quarter" idx="3"/>
-          </p:nvPr>
+          <p:cNvPr id="11" name="TextBox 10"/>
+          <p:cNvSpPr txBox="1"/>
+          <p:nvPr/>
         </p:nvSpPr>
-        <p:spPr/>
+        <p:spPr>
+          <a:xfrm>
+            <a:off x="457200" y="3505576"/>
+            <a:ext cx="8229600" cy="1154162"/>
+          </a:xfrm>
+          <a:prstGeom prst="rect">
+            <a:avLst/>
+          </a:prstGeom>
+          <a:noFill/>
+        </p:spPr>
         <p:txBody>
-          <a:bodyPr/>
+          <a:bodyPr wrap="square" rtlCol="0">
+            <a:spAutoFit/>
+          </a:bodyPr>
           <a:lstStyle/>
           <a:p>
             <a:r>
-              <a:rPr lang="en-US" dirty="0" smtClean="0"/>
-              <a:t>Topology Results</a:t>
-            </a:r>
-            <a:endParaRPr lang="en-US" dirty="0"/>
+              <a:rPr lang="en-US" sz="2700" u="sng" dirty="0" smtClean="0"/>
+              <a:t>Example DSS Line/Bus Development</a:t>
+            </a:r>
+          </a:p>
+          <a:p>
+            <a:r>
+              <a:rPr lang="en-US" sz="1400" dirty="0" smtClean="0"/>
+              <a:t>New Line.K1   Phases=3   Bus1=08_1.1.2.3   Bus2=08_A1.1.2.3</a:t>
+            </a:r>
+          </a:p>
+          <a:p>
+            <a:r>
+              <a:rPr lang="en-US" sz="1400" dirty="0" smtClean="0"/>
+              <a:t>~ Length=2833.6   units=</a:t>
+            </a:r>
+            <a:r>
+              <a:rPr lang="en-US" sz="1400" dirty="0" err="1" smtClean="0"/>
+              <a:t>ft</a:t>
+            </a:r>
+            <a:r>
+              <a:rPr lang="en-US" sz="1400" dirty="0" smtClean="0"/>
+              <a:t>   Spacing=PEC_PEC_23kV_TRIA_3P</a:t>
+            </a:r>
+          </a:p>
+          <a:p>
+            <a:r>
+              <a:rPr lang="en-US" sz="1400" dirty="0"/>
+              <a:t>~</a:t>
+            </a:r>
+            <a:r>
+              <a:rPr lang="en-US" sz="1400" dirty="0" smtClean="0"/>
+              <a:t> </a:t>
+            </a:r>
+            <a:r>
+              <a:rPr lang="en-US" sz="1400" dirty="0"/>
+              <a:t>wires=['PEC_#2AWG_ACSR' 'PEC_#2AWG_ACSR' 'PEC_#2AWG_ACSR' 'PEC_#2AWG_ACSR']</a:t>
+            </a:r>
           </a:p>
         </p:txBody>
       </p:sp>
-      <p:pic>
-        <p:nvPicPr>
-          <p:cNvPr id="14" name="Content Placeholder 13"/>
-          <p:cNvPicPr>
-            <a:picLocks noGrp="1" noChangeAspect="1"/>
-          </p:cNvPicPr>
-          <p:nvPr>
-            <p:ph sz="quarter" idx="4"/>
-          </p:nvPr>
-        </p:nvPicPr>
-        <p:blipFill>
-          <a:blip r:embed="rId3">
-            <a:extLst>
-              <a:ext uri="{28A0092B-C50C-407E-A947-70E740481C1C}">
-                <a14:useLocalDpi xmlns:a14="http://schemas.microsoft.com/office/drawing/2010/main" val="0"/>
-              </a:ext>
-            </a:extLst>
-          </a:blip>
-          <a:stretch>
-            <a:fillRect/>
-          </a:stretch>
-        </p:blipFill>
-        <p:spPr>
-          <a:xfrm>
-            <a:off x="4690004" y="1630363"/>
-            <a:ext cx="3951816" cy="2963862"/>
-          </a:xfrm>
-        </p:spPr>
-      </p:pic>
     </p:spTree>
     <p:extLst>
       <p:ext uri="{BB962C8B-B14F-4D97-AF65-F5344CB8AC3E}">
-        <p14:creationId xmlns:p14="http://schemas.microsoft.com/office/powerpoint/2010/main" val="1990712383"/>
+        <p14:creationId xmlns:p14="http://schemas.microsoft.com/office/powerpoint/2010/main" val="2359417976"/>
       </p:ext>
     </p:extLst>
   </p:cSld>
   <p:clrMapOvr>
     <a:masterClrMapping/>
   </p:clrMapOvr>
-  <mc:AlternateContent xmlns:mc="http://schemas.openxmlformats.org/markup-compatibility/2006" xmlns:p14="http://schemas.microsoft.com/office/powerpoint/2010/main">
-    <mc:Choice Requires="p14">
-      <p:transition spd="slow" p14:dur="2000"/>
-    </mc:Choice>
-    <mc:Fallback xmlns="">
-      <p:transition spd="slow"/>
-    </mc:Fallback>
-  </mc:AlternateContent>
-  <p:timing>
-    <p:tnLst>
-      <p:par>
-        <p:cTn id="1" dur="indefinite" restart="never" nodeType="tmRoot"/>
-      </p:par>
-    </p:tnLst>
-  </p:timing>
 </p:sld>
 </file>
 
@@ -7575,7 +8257,7 @@
           <a:p>
             <a:r>
               <a:rPr lang="en-US" dirty="0" smtClean="0"/>
-              <a:t>Simplifying the Feeder 04 Model</a:t>
+              <a:t>Static Power Flow</a:t>
             </a:r>
             <a:endParaRPr lang="en-US" dirty="0"/>
           </a:p>
@@ -7588,266 +8270,32 @@
             <a:spLocks noGrp="1"/>
           </p:cNvSpPr>
           <p:nvPr>
-            <p:ph type="body" idx="1"/>
+            <p:ph type="body" idx="4294967295"/>
           </p:nvPr>
         </p:nvSpPr>
-        <p:spPr/>
+        <p:spPr>
+          <a:xfrm>
+            <a:off x="0" y="1017699"/>
+            <a:ext cx="4572000" cy="481012"/>
+          </a:xfrm>
+        </p:spPr>
         <p:txBody>
-          <a:bodyPr/>
+          <a:bodyPr>
+            <a:normAutofit fontScale="92500" lnSpcReduction="20000"/>
+          </a:bodyPr>
           <a:lstStyle/>
           <a:p>
+            <a:pPr marL="0" indent="0" algn="ctr">
+              <a:buNone/>
+            </a:pPr>
             <a:r>
               <a:rPr lang="en-US" dirty="0" smtClean="0"/>
-              <a:t>Component Comparison</a:t>
+              <a:t>Detailed</a:t>
             </a:r>
             <a:endParaRPr lang="en-US" dirty="0"/>
           </a:p>
         </p:txBody>
       </p:sp>
-      <p:graphicFrame>
-        <p:nvGraphicFramePr>
-          <p:cNvPr id="7" name="Content Placeholder 6"/>
-          <p:cNvGraphicFramePr>
-            <a:graphicFrameLocks noGrp="1"/>
-          </p:cNvGraphicFramePr>
-          <p:nvPr>
-            <p:ph sz="half" idx="2"/>
-            <p:extLst>
-              <p:ext uri="{D42A27DB-BD31-4B8C-83A1-F6EECF244321}">
-                <p14:modId xmlns:p14="http://schemas.microsoft.com/office/powerpoint/2010/main" val="3096265812"/>
-              </p:ext>
-            </p:extLst>
-          </p:nvPr>
-        </p:nvGraphicFramePr>
-        <p:xfrm>
-          <a:off x="457200" y="1630363"/>
-          <a:ext cx="4040187" cy="1102360"/>
-        </p:xfrm>
-        <a:graphic>
-          <a:graphicData uri="http://schemas.openxmlformats.org/drawingml/2006/table">
-            <a:tbl>
-              <a:tblPr firstRow="1" bandRow="1">
-                <a:tableStyleId>{5C22544A-7EE6-4342-B048-85BDC9FD1C3A}</a:tableStyleId>
-              </a:tblPr>
-              <a:tblGrid>
-                <a:gridCol w="762000">
-                  <a:extLst>
-                    <a:ext uri="{9D8B030D-6E8A-4147-A177-3AD203B41FA5}">
-                      <a16:colId xmlns:a16="http://schemas.microsoft.com/office/drawing/2014/main" val="152555019"/>
-                    </a:ext>
-                  </a:extLst>
-                </a:gridCol>
-                <a:gridCol w="1092729">
-                  <a:extLst>
-                    <a:ext uri="{9D8B030D-6E8A-4147-A177-3AD203B41FA5}">
-                      <a16:colId xmlns:a16="http://schemas.microsoft.com/office/drawing/2014/main" val="1749364927"/>
-                    </a:ext>
-                  </a:extLst>
-                </a:gridCol>
-                <a:gridCol w="1092729">
-                  <a:extLst>
-                    <a:ext uri="{9D8B030D-6E8A-4147-A177-3AD203B41FA5}">
-                      <a16:colId xmlns:a16="http://schemas.microsoft.com/office/drawing/2014/main" val="1795029298"/>
-                    </a:ext>
-                  </a:extLst>
-                </a:gridCol>
-                <a:gridCol w="1092729">
-                  <a:extLst>
-                    <a:ext uri="{9D8B030D-6E8A-4147-A177-3AD203B41FA5}">
-                      <a16:colId xmlns:a16="http://schemas.microsoft.com/office/drawing/2014/main" val="1707841233"/>
-                    </a:ext>
-                  </a:extLst>
-                </a:gridCol>
-              </a:tblGrid>
-              <a:tr h="370840">
-                <a:tc>
-                  <a:txBody>
-                    <a:bodyPr/>
-                    <a:lstStyle/>
-                    <a:p>
-                      <a:endParaRPr lang="en-US" dirty="0"/>
-                    </a:p>
-                  </a:txBody>
-                  <a:tcPr/>
-                </a:tc>
-                <a:tc>
-                  <a:txBody>
-                    <a:bodyPr/>
-                    <a:lstStyle/>
-                    <a:p>
-                      <a:r>
-                        <a:rPr lang="en-US" sz="1600" dirty="0" smtClean="0"/>
-                        <a:t>Detailed</a:t>
-                      </a:r>
-                      <a:endParaRPr lang="en-US" sz="1600" dirty="0"/>
-                    </a:p>
-                  </a:txBody>
-                  <a:tcPr/>
-                </a:tc>
-                <a:tc>
-                  <a:txBody>
-                    <a:bodyPr/>
-                    <a:lstStyle/>
-                    <a:p>
-                      <a:r>
-                        <a:rPr lang="en-US" sz="1600" dirty="0" smtClean="0"/>
-                        <a:t>Simplified</a:t>
-                      </a:r>
-                      <a:endParaRPr lang="en-US" sz="1600" dirty="0"/>
-                    </a:p>
-                  </a:txBody>
-                  <a:tcPr/>
-                </a:tc>
-                <a:tc>
-                  <a:txBody>
-                    <a:bodyPr/>
-                    <a:lstStyle/>
-                    <a:p>
-                      <a:r>
-                        <a:rPr lang="en-US" sz="1600" dirty="0" smtClean="0"/>
-                        <a:t>Reduction</a:t>
-                      </a:r>
-                      <a:endParaRPr lang="en-US" sz="1600" dirty="0"/>
-                    </a:p>
-                  </a:txBody>
-                  <a:tcPr/>
-                </a:tc>
-                <a:extLst>
-                  <a:ext uri="{0D108BD9-81ED-4DB2-BD59-A6C34878D82A}">
-                    <a16:rowId xmlns:a16="http://schemas.microsoft.com/office/drawing/2014/main" val="1584643580"/>
-                  </a:ext>
-                </a:extLst>
-              </a:tr>
-              <a:tr h="182880">
-                <a:tc>
-                  <a:txBody>
-                    <a:bodyPr/>
-                    <a:lstStyle/>
-                    <a:p>
-                      <a:r>
-                        <a:rPr lang="en-US" dirty="0" smtClean="0"/>
-                        <a:t>Lines</a:t>
-                      </a:r>
-                      <a:endParaRPr lang="en-US" dirty="0"/>
-                    </a:p>
-                  </a:txBody>
-                  <a:tcPr/>
-                </a:tc>
-                <a:tc>
-                  <a:txBody>
-                    <a:bodyPr/>
-                    <a:lstStyle/>
-                    <a:p>
-                      <a:r>
-                        <a:rPr lang="en-US" dirty="0" smtClean="0"/>
-                        <a:t>2196</a:t>
-                      </a:r>
-                      <a:endParaRPr lang="en-US" dirty="0"/>
-                    </a:p>
-                  </a:txBody>
-                  <a:tcPr/>
-                </a:tc>
-                <a:tc>
-                  <a:txBody>
-                    <a:bodyPr/>
-                    <a:lstStyle/>
-                    <a:p>
-                      <a:r>
-                        <a:rPr lang="en-US" dirty="0" smtClean="0"/>
-                        <a:t>67</a:t>
-                      </a:r>
-                      <a:endParaRPr lang="en-US" dirty="0"/>
-                    </a:p>
-                  </a:txBody>
-                  <a:tcPr/>
-                </a:tc>
-                <a:tc>
-                  <a:txBody>
-                    <a:bodyPr/>
-                    <a:lstStyle/>
-                    <a:p>
-                      <a:r>
-                        <a:rPr lang="en-US" dirty="0" smtClean="0"/>
-                        <a:t>96.9%</a:t>
-                      </a:r>
-                      <a:endParaRPr lang="en-US" dirty="0"/>
-                    </a:p>
-                  </a:txBody>
-                  <a:tcPr/>
-                </a:tc>
-                <a:extLst>
-                  <a:ext uri="{0D108BD9-81ED-4DB2-BD59-A6C34878D82A}">
-                    <a16:rowId xmlns:a16="http://schemas.microsoft.com/office/drawing/2014/main" val="4023120333"/>
-                  </a:ext>
-                </a:extLst>
-              </a:tr>
-              <a:tr h="182880">
-                <a:tc>
-                  <a:txBody>
-                    <a:bodyPr/>
-                    <a:lstStyle/>
-                    <a:p>
-                      <a:r>
-                        <a:rPr lang="en-US" dirty="0" smtClean="0"/>
-                        <a:t>Loads</a:t>
-                      </a:r>
-                      <a:endParaRPr lang="en-US" dirty="0"/>
-                    </a:p>
-                  </a:txBody>
-                  <a:tcPr/>
-                </a:tc>
-                <a:tc>
-                  <a:txBody>
-                    <a:bodyPr/>
-                    <a:lstStyle/>
-                    <a:p>
-                      <a:r>
-                        <a:rPr lang="en-US" dirty="0" smtClean="0"/>
-                        <a:t>1047</a:t>
-                      </a:r>
-                      <a:endParaRPr lang="en-US" dirty="0"/>
-                    </a:p>
-                  </a:txBody>
-                  <a:tcPr/>
-                </a:tc>
-                <a:tc>
-                  <a:txBody>
-                    <a:bodyPr/>
-                    <a:lstStyle/>
-                    <a:p>
-                      <a:r>
-                        <a:rPr lang="en-US" dirty="0" smtClean="0"/>
-                        <a:t>78</a:t>
-                      </a:r>
-                      <a:endParaRPr lang="en-US" dirty="0"/>
-                    </a:p>
-                  </a:txBody>
-                  <a:tcPr/>
-                </a:tc>
-                <a:tc>
-                  <a:txBody>
-                    <a:bodyPr/>
-                    <a:lstStyle/>
-                    <a:p>
-                      <a:r>
-                        <a:rPr lang="en-US" smtClean="0"/>
-                        <a:t>92.6%</a:t>
-                      </a:r>
-                      <a:endParaRPr lang="en-US" dirty="0"/>
-                    </a:p>
-                  </a:txBody>
-                  <a:tcPr/>
-                </a:tc>
-                <a:extLst>
-                  <a:ext uri="{0D108BD9-81ED-4DB2-BD59-A6C34878D82A}">
-                    <a16:rowId xmlns:a16="http://schemas.microsoft.com/office/drawing/2014/main" val="1154275130"/>
-                  </a:ext>
-                </a:extLst>
-              </a:tr>
-            </a:tbl>
-          </a:graphicData>
-        </a:graphic>
-      </p:graphicFrame>
       <p:sp>
         <p:nvSpPr>
           <p:cNvPr id="5" name="Text Placeholder 4"/>
@@ -7855,115 +8303,182 @@
             <a:spLocks noGrp="1"/>
           </p:cNvSpPr>
           <p:nvPr>
-            <p:ph type="body" sz="quarter" idx="3"/>
+            <p:ph type="body" sz="quarter" idx="4294967295"/>
           </p:nvPr>
-        </p:nvSpPr>
-        <p:spPr/>
-        <p:txBody>
-          <a:bodyPr/>
-          <a:lstStyle/>
-          <a:p>
-            <a:r>
-              <a:rPr lang="en-US" dirty="0" smtClean="0"/>
-              <a:t>DSS Line/Bus Development</a:t>
-            </a:r>
-            <a:endParaRPr lang="en-US" dirty="0"/>
-          </a:p>
-        </p:txBody>
-      </p:sp>
-      <p:pic>
-        <p:nvPicPr>
-          <p:cNvPr id="10" name="Content Placeholder 9"/>
-          <p:cNvPicPr>
-            <a:picLocks noGrp="1" noChangeAspect="1"/>
-          </p:cNvPicPr>
-          <p:nvPr>
-            <p:ph sz="quarter" idx="4"/>
-          </p:nvPr>
-        </p:nvPicPr>
-        <p:blipFill>
-          <a:blip r:embed="rId2"/>
-          <a:stretch>
-            <a:fillRect/>
-          </a:stretch>
-        </p:blipFill>
-        <p:spPr>
-          <a:xfrm>
-            <a:off x="4645026" y="1719264"/>
-            <a:ext cx="4041775" cy="1661546"/>
-          </a:xfrm>
-          <a:prstGeom prst="rect">
-            <a:avLst/>
-          </a:prstGeom>
-        </p:spPr>
-      </p:pic>
-      <p:sp>
-        <p:nvSpPr>
-          <p:cNvPr id="11" name="TextBox 10"/>
-          <p:cNvSpPr txBox="1"/>
-          <p:nvPr/>
         </p:nvSpPr>
         <p:spPr>
           <a:xfrm>
-            <a:off x="457200" y="3466657"/>
-            <a:ext cx="8229600" cy="1107996"/>
-          </a:xfrm>
-          <a:prstGeom prst="rect">
-            <a:avLst/>
-          </a:prstGeom>
-          <a:noFill/>
+            <a:off x="4572000" y="1025878"/>
+            <a:ext cx="4572000" cy="481012"/>
+          </a:xfrm>
         </p:spPr>
         <p:txBody>
-          <a:bodyPr wrap="square" rtlCol="0">
-            <a:spAutoFit/>
+          <a:bodyPr>
+            <a:normAutofit fontScale="92500" lnSpcReduction="20000"/>
           </a:bodyPr>
           <a:lstStyle/>
           <a:p>
-            <a:r>
-              <a:rPr lang="en-US" sz="2400" b="1" u="sng" dirty="0" smtClean="0"/>
-              <a:t>Example DSS Line/Bus Development</a:t>
-            </a:r>
-          </a:p>
-          <a:p>
-            <a:r>
-              <a:rPr lang="en-US" sz="1400" dirty="0" smtClean="0"/>
-              <a:t>New Line.K1   Phases=3   Bus1=08_1.1.2.3   Bus2=08_A1.1.2.3</a:t>
-            </a:r>
-          </a:p>
-          <a:p>
-            <a:r>
-              <a:rPr lang="en-US" sz="1400" dirty="0" smtClean="0"/>
-              <a:t>~ Length=2833.6   units=</a:t>
-            </a:r>
-            <a:r>
-              <a:rPr lang="en-US" sz="1400" dirty="0" err="1" smtClean="0"/>
-              <a:t>ft</a:t>
-            </a:r>
-            <a:r>
-              <a:rPr lang="en-US" sz="1400" dirty="0" smtClean="0"/>
-              <a:t>   Spacing=PEC_PEC_23kV_TRIA_3P</a:t>
-            </a:r>
-          </a:p>
-          <a:p>
-            <a:r>
-              <a:rPr lang="en-US" sz="1400" dirty="0"/>
-              <a:t>~</a:t>
-            </a:r>
-            <a:r>
-              <a:rPr lang="en-US" sz="1400" dirty="0" smtClean="0"/>
-              <a:t> </a:t>
-            </a:r>
-            <a:r>
-              <a:rPr lang="en-US" sz="1400" dirty="0"/>
-              <a:t>wires=['PEC_#2AWG_ACSR' 'PEC_#2AWG_ACSR' 'PEC_#2AWG_ACSR' 'PEC_#2AWG_ACSR']</a:t>
-            </a:r>
+            <a:pPr marL="0" indent="0" algn="ctr">
+              <a:buNone/>
+            </a:pPr>
+            <a:r>
+              <a:rPr lang="en-US" dirty="0" smtClean="0"/>
+              <a:t>Simplified</a:t>
+            </a:r>
+            <a:endParaRPr lang="en-US" dirty="0"/>
           </a:p>
         </p:txBody>
       </p:sp>
+      <p:grpSp>
+        <p:nvGrpSpPr>
+          <p:cNvPr id="9" name="Group 8"/>
+          <p:cNvGrpSpPr/>
+          <p:nvPr/>
+        </p:nvGrpSpPr>
+        <p:grpSpPr>
+          <a:xfrm>
+            <a:off x="4572000" y="1504950"/>
+            <a:ext cx="4572000" cy="3280479"/>
+            <a:chOff x="4724400" y="1504950"/>
+            <a:chExt cx="3200400" cy="3810002"/>
+          </a:xfrm>
+        </p:grpSpPr>
+        <p:pic>
+          <p:nvPicPr>
+            <p:cNvPr id="8" name="Picture 7"/>
+            <p:cNvPicPr>
+              <a:picLocks noChangeAspect="1"/>
+            </p:cNvPicPr>
+            <p:nvPr/>
+          </p:nvPicPr>
+          <p:blipFill rotWithShape="1">
+            <a:blip r:embed="rId2">
+              <a:extLst>
+                <a:ext uri="{28A0092B-C50C-407E-A947-70E740481C1C}">
+                  <a14:useLocalDpi xmlns:a14="http://schemas.microsoft.com/office/drawing/2010/main" val="0"/>
+                </a:ext>
+              </a:extLst>
+            </a:blip>
+            <a:srcRect l="9072" t="3682" r="52825" b="50284"/>
+            <a:stretch/>
+          </p:blipFill>
+          <p:spPr>
+            <a:xfrm>
+              <a:off x="4724400" y="1504950"/>
+              <a:ext cx="3200400" cy="1905001"/>
+            </a:xfrm>
+            <a:prstGeom prst="rect">
+              <a:avLst/>
+            </a:prstGeom>
+          </p:spPr>
+        </p:pic>
+        <p:pic>
+          <p:nvPicPr>
+            <p:cNvPr id="10" name="Picture 9"/>
+            <p:cNvPicPr>
+              <a:picLocks noChangeAspect="1"/>
+            </p:cNvPicPr>
+            <p:nvPr/>
+          </p:nvPicPr>
+          <p:blipFill rotWithShape="1">
+            <a:blip r:embed="rId2">
+              <a:extLst>
+                <a:ext uri="{28A0092B-C50C-407E-A947-70E740481C1C}">
+                  <a14:useLocalDpi xmlns:a14="http://schemas.microsoft.com/office/drawing/2010/main" val="0"/>
+                </a:ext>
+              </a:extLst>
+            </a:blip>
+            <a:srcRect l="53526" t="3682" r="8370" b="50284"/>
+            <a:stretch/>
+          </p:blipFill>
+          <p:spPr>
+            <a:xfrm>
+              <a:off x="4724400" y="3409951"/>
+              <a:ext cx="3200400" cy="1905001"/>
+            </a:xfrm>
+            <a:prstGeom prst="rect">
+              <a:avLst/>
+            </a:prstGeom>
+          </p:spPr>
+        </p:pic>
+      </p:grpSp>
+      <p:grpSp>
+        <p:nvGrpSpPr>
+          <p:cNvPr id="16" name="Group 15"/>
+          <p:cNvGrpSpPr/>
+          <p:nvPr/>
+        </p:nvGrpSpPr>
+        <p:grpSpPr>
+          <a:xfrm>
+            <a:off x="0" y="1504950"/>
+            <a:ext cx="4572000" cy="3276600"/>
+            <a:chOff x="534988" y="822722"/>
+            <a:chExt cx="3505200" cy="3962400"/>
+          </a:xfrm>
+        </p:grpSpPr>
+        <p:pic>
+          <p:nvPicPr>
+            <p:cNvPr id="14" name="Picture 13"/>
+            <p:cNvPicPr>
+              <a:picLocks noChangeAspect="1"/>
+            </p:cNvPicPr>
+            <p:nvPr/>
+          </p:nvPicPr>
+          <p:blipFill rotWithShape="1">
+            <a:blip r:embed="rId3">
+              <a:extLst>
+                <a:ext uri="{28A0092B-C50C-407E-A947-70E740481C1C}">
+                  <a14:useLocalDpi xmlns:a14="http://schemas.microsoft.com/office/drawing/2010/main" val="0"/>
+                </a:ext>
+              </a:extLst>
+            </a:blip>
+            <a:srcRect l="9166" t="4335" r="52500" b="51690"/>
+            <a:stretch/>
+          </p:blipFill>
+          <p:spPr>
+            <a:xfrm>
+              <a:off x="534988" y="822722"/>
+              <a:ext cx="3505200" cy="1981200"/>
+            </a:xfrm>
+            <a:prstGeom prst="rect">
+              <a:avLst/>
+            </a:prstGeom>
+          </p:spPr>
+        </p:pic>
+        <p:pic>
+          <p:nvPicPr>
+            <p:cNvPr id="15" name="Picture 14"/>
+            <p:cNvPicPr>
+              <a:picLocks noChangeAspect="1"/>
+            </p:cNvPicPr>
+            <p:nvPr/>
+          </p:nvPicPr>
+          <p:blipFill rotWithShape="1">
+            <a:blip r:embed="rId3">
+              <a:extLst>
+                <a:ext uri="{28A0092B-C50C-407E-A947-70E740481C1C}">
+                  <a14:useLocalDpi xmlns:a14="http://schemas.microsoft.com/office/drawing/2010/main" val="0"/>
+                </a:ext>
+              </a:extLst>
+            </a:blip>
+            <a:srcRect l="53333" t="4335" r="8333" b="51690"/>
+            <a:stretch/>
+          </p:blipFill>
+          <p:spPr>
+            <a:xfrm>
+              <a:off x="534988" y="2803922"/>
+              <a:ext cx="3505200" cy="1981200"/>
+            </a:xfrm>
+            <a:prstGeom prst="rect">
+              <a:avLst/>
+            </a:prstGeom>
+          </p:spPr>
+        </p:pic>
+      </p:grpSp>
     </p:spTree>
     <p:extLst>
       <p:ext uri="{BB962C8B-B14F-4D97-AF65-F5344CB8AC3E}">
-        <p14:creationId xmlns:p14="http://schemas.microsoft.com/office/powerpoint/2010/main" val="2359417976"/>
+        <p14:creationId xmlns:p14="http://schemas.microsoft.com/office/powerpoint/2010/main" val="976767764"/>
       </p:ext>
     </p:extLst>
   </p:cSld>
@@ -8020,17 +8535,60 @@
             <a:spLocks noGrp="1"/>
           </p:cNvSpPr>
           <p:nvPr>
-            <p:ph type="body" idx="1"/>
+            <p:ph type="body" idx="4294967295"/>
           </p:nvPr>
         </p:nvSpPr>
-        <p:spPr/>
+        <p:spPr>
+          <a:xfrm>
+            <a:off x="0" y="1150938"/>
+            <a:ext cx="4691214" cy="481012"/>
+          </a:xfrm>
+        </p:spPr>
         <p:txBody>
-          <a:bodyPr/>
+          <a:bodyPr>
+            <a:normAutofit fontScale="92500" lnSpcReduction="20000"/>
+          </a:bodyPr>
           <a:lstStyle/>
           <a:p>
+            <a:pPr marL="0" indent="0" algn="ctr">
+              <a:buNone/>
+            </a:pPr>
             <a:r>
               <a:rPr lang="en-US" dirty="0" smtClean="0"/>
-              <a:t>Detailed</a:t>
+              <a:t>Detailed </a:t>
+            </a:r>
+            <a:endParaRPr lang="en-US" dirty="0"/>
+          </a:p>
+        </p:txBody>
+      </p:sp>
+      <p:sp>
+        <p:nvSpPr>
+          <p:cNvPr id="5" name="Text Placeholder 4"/>
+          <p:cNvSpPr>
+            <a:spLocks noGrp="1"/>
+          </p:cNvSpPr>
+          <p:nvPr>
+            <p:ph type="body" sz="quarter" idx="4294967295"/>
+          </p:nvPr>
+        </p:nvSpPr>
+        <p:spPr>
+          <a:xfrm>
+            <a:off x="4691215" y="1150938"/>
+            <a:ext cx="4452786" cy="481012"/>
+          </a:xfrm>
+        </p:spPr>
+        <p:txBody>
+          <a:bodyPr>
+            <a:normAutofit fontScale="92500" lnSpcReduction="20000"/>
+          </a:bodyPr>
+          <a:lstStyle/>
+          <a:p>
+            <a:pPr marL="0" indent="0" algn="ctr">
+              <a:buNone/>
+            </a:pPr>
+            <a:r>
+              <a:rPr lang="en-US" dirty="0" smtClean="0"/>
+              <a:t>Simplified</a:t>
             </a:r>
             <a:endParaRPr lang="en-US" dirty="0"/>
           </a:p>
@@ -8038,15 +8596,13 @@
       </p:sp>
       <p:pic>
         <p:nvPicPr>
-          <p:cNvPr id="7" name="Content Placeholder 6"/>
+          <p:cNvPr id="6" name="Picture 5"/>
           <p:cNvPicPr>
-            <a:picLocks noGrp="1" noChangeAspect="1"/>
+            <a:picLocks noChangeAspect="1"/>
           </p:cNvPicPr>
-          <p:nvPr>
-            <p:ph sz="half" idx="2"/>
-          </p:nvPr>
+          <p:nvPr/>
         </p:nvPicPr>
-        <p:blipFill rotWithShape="1">
+        <p:blipFill>
           <a:blip r:embed="rId2" cstate="print">
             <a:extLst>
               <a:ext uri="{28A0092B-C50C-407E-A947-70E740481C1C}">
@@ -8054,50 +8610,29 @@
               </a:ext>
             </a:extLst>
           </a:blip>
-          <a:srcRect l="9431" r="52849"/>
-          <a:stretch/>
+          <a:stretch>
+            <a:fillRect/>
+          </a:stretch>
         </p:blipFill>
         <p:spPr>
           <a:xfrm>
-            <a:off x="533400" y="1718850"/>
-            <a:ext cx="3963988" cy="2985951"/>
-          </a:xfrm>
+            <a:off x="0" y="1631950"/>
+            <a:ext cx="4691214" cy="3149600"/>
+          </a:xfrm>
+          <a:prstGeom prst="rect">
+            <a:avLst/>
+          </a:prstGeom>
         </p:spPr>
       </p:pic>
-      <p:sp>
-        <p:nvSpPr>
-          <p:cNvPr id="5" name="Text Placeholder 4"/>
-          <p:cNvSpPr>
-            <a:spLocks noGrp="1"/>
-          </p:cNvSpPr>
-          <p:nvPr>
-            <p:ph type="body" sz="quarter" idx="3"/>
-          </p:nvPr>
-        </p:nvSpPr>
-        <p:spPr/>
-        <p:txBody>
-          <a:bodyPr/>
-          <a:lstStyle/>
-          <a:p>
-            <a:r>
-              <a:rPr lang="en-US" dirty="0" smtClean="0"/>
-              <a:t>Simplified</a:t>
-            </a:r>
-            <a:endParaRPr lang="en-US" dirty="0"/>
-          </a:p>
-        </p:txBody>
-      </p:sp>
       <p:pic>
         <p:nvPicPr>
-          <p:cNvPr id="11" name="Content Placeholder 10"/>
+          <p:cNvPr id="9" name="Picture 8"/>
           <p:cNvPicPr>
-            <a:picLocks noGrp="1" noChangeAspect="1"/>
+            <a:picLocks noChangeAspect="1"/>
           </p:cNvPicPr>
-          <p:nvPr>
-            <p:ph sz="quarter" idx="4"/>
-          </p:nvPr>
+          <p:nvPr/>
         </p:nvPicPr>
-        <p:blipFill rotWithShape="1">
+        <p:blipFill>
           <a:blip r:embed="rId3" cstate="print">
             <a:extLst>
               <a:ext uri="{28A0092B-C50C-407E-A947-70E740481C1C}">
@@ -8105,20 +8640,24 @@
               </a:ext>
             </a:extLst>
           </a:blip>
-          <a:srcRect l="9505" r="52789"/>
-          <a:stretch/>
+          <a:stretch>
+            <a:fillRect/>
+          </a:stretch>
         </p:blipFill>
         <p:spPr>
           <a:xfrm>
-            <a:off x="4642442" y="1631157"/>
-            <a:ext cx="3891957" cy="3094219"/>
-          </a:xfrm>
+            <a:off x="4691214" y="1631951"/>
+            <a:ext cx="4452786" cy="3149600"/>
+          </a:xfrm>
+          <a:prstGeom prst="rect">
+            <a:avLst/>
+          </a:prstGeom>
         </p:spPr>
       </p:pic>
     </p:spTree>
     <p:extLst>
       <p:ext uri="{BB962C8B-B14F-4D97-AF65-F5344CB8AC3E}">
-        <p14:creationId xmlns:p14="http://schemas.microsoft.com/office/powerpoint/2010/main" val="976767764"/>
+        <p14:creationId xmlns:p14="http://schemas.microsoft.com/office/powerpoint/2010/main" val="782659914"/>
       </p:ext>
     </p:extLst>
   </p:cSld>
@@ -8155,37 +8694,21 @@
             <p:ph type="title"/>
           </p:nvPr>
         </p:nvSpPr>
-        <p:spPr/>
+        <p:spPr>
+          <a:xfrm>
+            <a:off x="0" y="0"/>
+            <a:ext cx="9144000" cy="857250"/>
+          </a:xfrm>
+        </p:spPr>
         <p:txBody>
-          <a:bodyPr/>
+          <a:bodyPr>
+            <a:normAutofit/>
+          </a:bodyPr>
           <a:lstStyle/>
           <a:p>
             <a:r>
               <a:rPr lang="en-US" dirty="0" smtClean="0"/>
-              <a:t>Static Power Flow</a:t>
-            </a:r>
-            <a:endParaRPr lang="en-US" dirty="0"/>
-          </a:p>
-        </p:txBody>
-      </p:sp>
-      <p:sp>
-        <p:nvSpPr>
-          <p:cNvPr id="3" name="Text Placeholder 2"/>
-          <p:cNvSpPr>
-            <a:spLocks noGrp="1"/>
-          </p:cNvSpPr>
-          <p:nvPr>
-            <p:ph type="body" idx="1"/>
-          </p:nvPr>
-        </p:nvSpPr>
-        <p:spPr/>
-        <p:txBody>
-          <a:bodyPr/>
-          <a:lstStyle/>
-          <a:p>
-            <a:r>
-              <a:rPr lang="en-US" dirty="0" smtClean="0"/>
-              <a:t>Detailed </a:t>
+              <a:t>24 Hour QSTS kW</a:t>
             </a:r>
             <a:endParaRPr lang="en-US" dirty="0"/>
           </a:p>
@@ -8193,16 +8716,14 @@
       </p:sp>
       <p:pic>
         <p:nvPicPr>
-          <p:cNvPr id="7" name="Content Placeholder 6"/>
+          <p:cNvPr id="5" name="Picture 4"/>
           <p:cNvPicPr>
-            <a:picLocks noGrp="1" noChangeAspect="1"/>
+            <a:picLocks noChangeAspect="1"/>
           </p:cNvPicPr>
-          <p:nvPr>
-            <p:ph sz="half" idx="2"/>
-          </p:nvPr>
+          <p:nvPr/>
         </p:nvPicPr>
         <p:blipFill>
-          <a:blip r:embed="rId2" cstate="print">
+          <a:blip r:embed="rId2">
             <a:extLst>
               <a:ext uri="{28A0092B-C50C-407E-A947-70E740481C1C}">
                 <a14:useLocalDpi xmlns:a14="http://schemas.microsoft.com/office/drawing/2010/main" val="0"/>
@@ -8215,67 +8736,18 @@
         </p:blipFill>
         <p:spPr>
           <a:xfrm>
-            <a:off x="457200" y="1719264"/>
-            <a:ext cx="4040188" cy="2874961"/>
-          </a:xfrm>
-        </p:spPr>
-      </p:pic>
-      <p:sp>
-        <p:nvSpPr>
-          <p:cNvPr id="5" name="Text Placeholder 4"/>
-          <p:cNvSpPr>
-            <a:spLocks noGrp="1"/>
-          </p:cNvSpPr>
-          <p:nvPr>
-            <p:ph type="body" sz="quarter" idx="3"/>
-          </p:nvPr>
-        </p:nvSpPr>
-        <p:spPr/>
-        <p:txBody>
-          <a:bodyPr/>
-          <a:lstStyle/>
-          <a:p>
-            <a:r>
-              <a:rPr lang="en-US" dirty="0" smtClean="0"/>
-              <a:t>Simplified</a:t>
-            </a:r>
-            <a:endParaRPr lang="en-US" dirty="0"/>
-          </a:p>
-        </p:txBody>
-      </p:sp>
-      <p:pic>
-        <p:nvPicPr>
-          <p:cNvPr id="8" name="Content Placeholder 7"/>
-          <p:cNvPicPr>
-            <a:picLocks noGrp="1" noChangeAspect="1"/>
-          </p:cNvPicPr>
-          <p:nvPr>
-            <p:ph sz="quarter" idx="4"/>
-          </p:nvPr>
-        </p:nvPicPr>
-        <p:blipFill>
-          <a:blip r:embed="rId3">
-            <a:extLst>
-              <a:ext uri="{28A0092B-C50C-407E-A947-70E740481C1C}">
-                <a14:useLocalDpi xmlns:a14="http://schemas.microsoft.com/office/drawing/2010/main" val="0"/>
-              </a:ext>
-            </a:extLst>
-          </a:blip>
-          <a:stretch>
-            <a:fillRect/>
-          </a:stretch>
-        </p:blipFill>
-        <p:spPr>
-          <a:xfrm>
-            <a:off x="4690004" y="1630363"/>
-            <a:ext cx="3951816" cy="2963862"/>
-          </a:xfrm>
+            <a:off x="457200" y="857250"/>
+            <a:ext cx="8229600" cy="3928110"/>
+          </a:xfrm>
+          <a:prstGeom prst="rect">
+            <a:avLst/>
+          </a:prstGeom>
         </p:spPr>
       </p:pic>
     </p:spTree>
     <p:extLst>
       <p:ext uri="{BB962C8B-B14F-4D97-AF65-F5344CB8AC3E}">
-        <p14:creationId xmlns:p14="http://schemas.microsoft.com/office/powerpoint/2010/main" val="782659914"/>
+        <p14:creationId xmlns:p14="http://schemas.microsoft.com/office/powerpoint/2010/main" val="3231256586"/>
       </p:ext>
     </p:extLst>
   </p:cSld>
@@ -8312,62 +8784,23 @@
             <p:ph type="title"/>
           </p:nvPr>
         </p:nvSpPr>
-        <p:spPr/>
-        <p:txBody>
-          <a:bodyPr>
-            <a:normAutofit/>
-          </a:bodyPr>
-          <a:lstStyle/>
-          <a:p>
-            <a:r>
-              <a:rPr lang="en-US" dirty="0" smtClean="0"/>
-              <a:t>24 Hour QSTS kW</a:t>
-            </a:r>
-            <a:endParaRPr lang="en-US" dirty="0"/>
-          </a:p>
-        </p:txBody>
-      </p:sp>
-      <p:sp>
-        <p:nvSpPr>
-          <p:cNvPr id="3" name="Text Placeholder 2"/>
-          <p:cNvSpPr>
-            <a:spLocks noGrp="1"/>
-          </p:cNvSpPr>
-          <p:nvPr>
-            <p:ph type="body" idx="1"/>
-          </p:nvPr>
-        </p:nvSpPr>
-        <p:spPr/>
+        <p:spPr>
+          <a:xfrm>
+            <a:off x="0" y="0"/>
+            <a:ext cx="9144000" cy="857250"/>
+          </a:xfrm>
+        </p:spPr>
         <p:txBody>
           <a:bodyPr/>
           <a:lstStyle/>
           <a:p>
             <a:r>
               <a:rPr lang="en-US" dirty="0" smtClean="0"/>
-              <a:t>SCADA</a:t>
-            </a:r>
-            <a:endParaRPr lang="en-US" dirty="0"/>
-          </a:p>
-        </p:txBody>
-      </p:sp>
-      <p:sp>
-        <p:nvSpPr>
-          <p:cNvPr id="5" name="Text Placeholder 4"/>
-          <p:cNvSpPr>
-            <a:spLocks noGrp="1"/>
-          </p:cNvSpPr>
-          <p:nvPr>
-            <p:ph type="body" sz="quarter" idx="3"/>
-          </p:nvPr>
-        </p:nvSpPr>
-        <p:spPr/>
-        <p:txBody>
-          <a:bodyPr/>
-          <a:lstStyle/>
-          <a:p>
-            <a:r>
-              <a:rPr lang="en-US" dirty="0" smtClean="0"/>
-              <a:t>Model</a:t>
+              <a:t>24 Hour QSTS </a:t>
+            </a:r>
+            <a:r>
+              <a:rPr lang="en-US" dirty="0" err="1" smtClean="0"/>
+              <a:t>kVAR</a:t>
             </a:r>
             <a:endParaRPr lang="en-US" dirty="0"/>
           </a:p>
@@ -8375,13 +8808,11 @@
       </p:sp>
       <p:pic>
         <p:nvPicPr>
-          <p:cNvPr id="24" name="Content Placeholder 23"/>
+          <p:cNvPr id="5" name="Picture 4"/>
           <p:cNvPicPr>
-            <a:picLocks noGrp="1" noChangeAspect="1"/>
+            <a:picLocks noChangeAspect="1"/>
           </p:cNvPicPr>
-          <p:nvPr>
-            <p:ph sz="quarter" idx="4"/>
-          </p:nvPr>
+          <p:nvPr/>
         </p:nvPicPr>
         <p:blipFill>
           <a:blip r:embed="rId2">
@@ -8397,44 +8828,18 @@
         </p:blipFill>
         <p:spPr>
           <a:xfrm>
-            <a:off x="4690004" y="1630363"/>
-            <a:ext cx="3951816" cy="2963862"/>
-          </a:xfrm>
-        </p:spPr>
-      </p:pic>
-      <p:pic>
-        <p:nvPicPr>
-          <p:cNvPr id="23" name="Content Placeholder 22"/>
-          <p:cNvPicPr>
-            <a:picLocks noGrp="1" noChangeAspect="1"/>
-          </p:cNvPicPr>
-          <p:nvPr>
-            <p:ph sz="half" idx="2"/>
-          </p:nvPr>
-        </p:nvPicPr>
-        <p:blipFill>
-          <a:blip r:embed="rId3">
-            <a:extLst>
-              <a:ext uri="{28A0092B-C50C-407E-A947-70E740481C1C}">
-                <a14:useLocalDpi xmlns:a14="http://schemas.microsoft.com/office/drawing/2010/main" val="0"/>
-              </a:ext>
-            </a:extLst>
-          </a:blip>
-          <a:stretch>
-            <a:fillRect/>
-          </a:stretch>
-        </p:blipFill>
-        <p:spPr>
-          <a:xfrm>
-            <a:off x="501386" y="1630363"/>
-            <a:ext cx="3951816" cy="2963862"/>
-          </a:xfrm>
+            <a:off x="457200" y="895350"/>
+            <a:ext cx="8229600" cy="3886200"/>
+          </a:xfrm>
+          <a:prstGeom prst="rect">
+            <a:avLst/>
+          </a:prstGeom>
         </p:spPr>
       </p:pic>
     </p:spTree>
     <p:extLst>
       <p:ext uri="{BB962C8B-B14F-4D97-AF65-F5344CB8AC3E}">
-        <p14:creationId xmlns:p14="http://schemas.microsoft.com/office/powerpoint/2010/main" val="3231256586"/>
+        <p14:creationId xmlns:p14="http://schemas.microsoft.com/office/powerpoint/2010/main" val="2809295760"/>
       </p:ext>
     </p:extLst>
   </p:cSld>
